--- a/input/images/UseCases.pptx
+++ b/input/images/UseCases.pptx
@@ -10853,7 +10853,7 @@
           <a:p>
             <a:r>
               <a:rPr lang="en-US" dirty="0"/>
-              <a:t>Mortality Register Submission Profiles</a:t>
+              <a:t>Mortality Roster Profiles</a:t>
             </a:r>
           </a:p>
         </p:txBody>
@@ -10879,7 +10879,7 @@
           <a:bodyPr/>
           <a:lstStyle/>
           <a:p>
-            <a:endParaRPr lang="en-US"/>
+            <a:endParaRPr lang="en-US" dirty="0"/>
           </a:p>
         </p:txBody>
       </p:sp>
@@ -10944,7 +10944,7 @@
         <p:spPr>
           <a:xfrm>
             <a:off x="457200" y="651999"/>
-            <a:ext cx="3428439" cy="369332"/>
+            <a:ext cx="3272242" cy="369332"/>
           </a:xfrm>
           <a:prstGeom prst="rect">
             <a:avLst/>
@@ -10964,7 +10964,7 @@
                 </a:solidFill>
                 <a:latin typeface="Calibri" panose="020F0502020204030204" pitchFamily="34" charset="0"/>
               </a:rPr>
-              <a:t>Mortality Register Bundle (Bundle)</a:t>
+              <a:t>Mortality Roster Bundle (Bundle)</a:t>
             </a:r>
           </a:p>
         </p:txBody>

--- a/input/images/UseCases.pptx
+++ b/input/images/UseCases.pptx
@@ -5,10 +5,10 @@
     <p:sldMasterId id="2147483808" r:id="rId4"/>
   </p:sldMasterIdLst>
   <p:notesMasterIdLst>
-    <p:notesMasterId r:id="rId25"/>
+    <p:notesMasterId r:id="rId26"/>
   </p:notesMasterIdLst>
   <p:handoutMasterIdLst>
-    <p:handoutMasterId r:id="rId26"/>
+    <p:handoutMasterId r:id="rId27"/>
   </p:handoutMasterIdLst>
   <p:sldIdLst>
     <p:sldId id="2451" r:id="rId5"/>
@@ -29,25 +29,26 @@
     <p:sldId id="2460" r:id="rId20"/>
     <p:sldId id="2477" r:id="rId21"/>
     <p:sldId id="2481" r:id="rId22"/>
-    <p:sldId id="2474" r:id="rId23"/>
-    <p:sldId id="2475" r:id="rId24"/>
+    <p:sldId id="2482" r:id="rId23"/>
+    <p:sldId id="2474" r:id="rId24"/>
+    <p:sldId id="2475" r:id="rId25"/>
   </p:sldIdLst>
   <p:sldSz cx="9144000" cy="5143500" type="screen16x9"/>
   <p:notesSz cx="7010400" cy="9296400"/>
   <p:embeddedFontLst>
     <p:embeddedFont>
       <p:font typeface="Calibri" panose="020F0502020204030204" pitchFamily="34" charset="0"/>
-      <p:regular r:id="rId27"/>
-      <p:bold r:id="rId28"/>
-      <p:italic r:id="rId29"/>
-      <p:boldItalic r:id="rId30"/>
+      <p:regular r:id="rId28"/>
+      <p:bold r:id="rId29"/>
+      <p:italic r:id="rId30"/>
+      <p:boldItalic r:id="rId31"/>
     </p:embeddedFont>
     <p:embeddedFont>
       <p:font typeface="Myriad Web Pro" panose="020B0503030403020204" pitchFamily="34" charset="77"/>
-      <p:regular r:id="rId31"/>
-      <p:bold r:id="rId32"/>
-      <p:italic r:id="rId33"/>
-      <p:boldItalic r:id="rId34"/>
+      <p:regular r:id="rId32"/>
+      <p:bold r:id="rId33"/>
+      <p:italic r:id="rId34"/>
+      <p:boldItalic r:id="rId35"/>
     </p:embeddedFont>
   </p:embeddedFontLst>
   <p:defaultTextStyle>
@@ -198,6 +199,7 @@
             <p14:sldId id="2460"/>
             <p14:sldId id="2477"/>
             <p14:sldId id="2481"/>
+            <p14:sldId id="2482"/>
             <p14:sldId id="2474"/>
             <p14:sldId id="2475"/>
           </p14:sldIdLst>
@@ -333,7 +335,7 @@
           <a:p>
             <a:fld id="{CCD9D4F3-1CB6-4E57-BC6A-8FDD6DF1AC39}" type="datetimeFigureOut">
               <a:rPr lang="en-US" smtClean="0"/>
-              <a:t>6/24/22</a:t>
+              <a:t>9/22/22</a:t>
             </a:fld>
             <a:endParaRPr lang="en-US"/>
           </a:p>
@@ -526,7 +528,7 @@
               <a:pPr>
                 <a:defRPr/>
               </a:pPr>
-              <a:t>6/24/22</a:t>
+              <a:t>9/22/22</a:t>
             </a:fld>
             <a:endParaRPr lang="en-US"/>
           </a:p>
@@ -11486,7 +11488,7 @@
           <p:cNvPr id="2" name="Title 1">
             <a:extLst>
               <a:ext uri="{FF2B5EF4-FFF2-40B4-BE49-F238E27FC236}">
-                <a16:creationId xmlns:a16="http://schemas.microsoft.com/office/drawing/2014/main" id="{5DA991A6-BF4C-4B46-B46D-615EB2E6CBDF}"/>
+                <a16:creationId xmlns:a16="http://schemas.microsoft.com/office/drawing/2014/main" id="{1C0BD58E-1DDB-0048-BF7C-6C373E794C02}"/>
               </a:ext>
             </a:extLst>
           </p:cNvPr>
@@ -11499,8 +11501,8 @@
         </p:nvSpPr>
         <p:spPr>
           <a:xfrm>
-            <a:off x="457200" y="205979"/>
-            <a:ext cx="8229600" cy="561883"/>
+            <a:off x="457200" y="-151575"/>
+            <a:ext cx="8229600" cy="615514"/>
           </a:xfrm>
         </p:spPr>
         <p:txBody>
@@ -11509,17 +11511,17 @@
           <a:p>
             <a:r>
               <a:rPr lang="en-US" dirty="0"/>
-              <a:t>Tools Updates</a:t>
-            </a:r>
-          </a:p>
-        </p:txBody>
-      </p:sp>
-      <p:sp>
-        <p:nvSpPr>
-          <p:cNvPr id="3" name="Text Placeholder 2">
-            <a:extLst>
-              <a:ext uri="{FF2B5EF4-FFF2-40B4-BE49-F238E27FC236}">
-                <a16:creationId xmlns:a16="http://schemas.microsoft.com/office/drawing/2014/main" id="{46B33945-720A-6B4A-ABA4-C9EC5D591C2F}"/>
+              <a:t>Surveillance Profiles</a:t>
+            </a:r>
+          </a:p>
+        </p:txBody>
+      </p:sp>
+      <p:sp>
+        <p:nvSpPr>
+          <p:cNvPr id="4" name="Text Placeholder 3">
+            <a:extLst>
+              <a:ext uri="{FF2B5EF4-FFF2-40B4-BE49-F238E27FC236}">
+                <a16:creationId xmlns:a16="http://schemas.microsoft.com/office/drawing/2014/main" id="{398FDDF6-CAEE-B647-B160-4C763C084B0D}"/>
               </a:ext>
             </a:extLst>
           </p:cNvPr>
@@ -11535,44 +11537,3380 @@
           <a:bodyPr/>
           <a:lstStyle/>
           <a:p>
-            <a:r>
-              <a:rPr lang="en-US" dirty="0"/>
-              <a:t>All tools being updated to support new versions of IGs</a:t>
-            </a:r>
-          </a:p>
-          <a:p>
-            <a:r>
-              <a:rPr lang="en-US" dirty="0"/>
-              <a:t>Tools:</a:t>
-            </a:r>
-          </a:p>
-          <a:p>
-            <a:pPr lvl="1"/>
-            <a:r>
-              <a:rPr lang="en-US" dirty="0"/>
-              <a:t>VRDR and </a:t>
-            </a:r>
-            <a:r>
-              <a:rPr lang="en-US" dirty="0" err="1"/>
-              <a:t>VRDR.Messaging</a:t>
-            </a:r>
-            <a:r>
-              <a:rPr lang="en-US" dirty="0"/>
-              <a:t> dot net libraries</a:t>
-            </a:r>
-          </a:p>
-          <a:p>
-            <a:pPr lvl="1"/>
-            <a:r>
-              <a:rPr lang="en-US" dirty="0"/>
-              <a:t>Java Library</a:t>
-            </a:r>
-          </a:p>
-          <a:p>
-            <a:pPr lvl="1"/>
-            <a:r>
-              <a:rPr lang="en-US" dirty="0"/>
-              <a:t>Canary including updated test cases</a:t>
+            <a:endParaRPr lang="en-US"/>
+          </a:p>
+        </p:txBody>
+      </p:sp>
+      <p:sp>
+        <p:nvSpPr>
+          <p:cNvPr id="5" name="Rectangle 4">
+            <a:extLst>
+              <a:ext uri="{FF2B5EF4-FFF2-40B4-BE49-F238E27FC236}">
+                <a16:creationId xmlns:a16="http://schemas.microsoft.com/office/drawing/2014/main" id="{23892A2A-DCD6-C846-BF5A-30A5EE36CC4E}"/>
+              </a:ext>
+            </a:extLst>
+          </p:cNvPr>
+          <p:cNvSpPr/>
+          <p:nvPr/>
+        </p:nvSpPr>
+        <p:spPr>
+          <a:xfrm>
+            <a:off x="457200" y="705676"/>
+            <a:ext cx="8352692" cy="4052490"/>
+          </a:xfrm>
+          <a:prstGeom prst="rect">
+            <a:avLst/>
+          </a:prstGeom>
+        </p:spPr>
+        <p:style>
+          <a:lnRef idx="2">
+            <a:schemeClr val="accent1">
+              <a:shade val="50000"/>
+            </a:schemeClr>
+          </a:lnRef>
+          <a:fillRef idx="1">
+            <a:schemeClr val="accent1"/>
+          </a:fillRef>
+          <a:effectRef idx="0">
+            <a:schemeClr val="accent1"/>
+          </a:effectRef>
+          <a:fontRef idx="minor">
+            <a:schemeClr val="lt1"/>
+          </a:fontRef>
+        </p:style>
+        <p:txBody>
+          <a:bodyPr rtlCol="0" anchor="ctr"/>
+          <a:lstStyle/>
+          <a:p>
+            <a:pPr algn="ctr"/>
+            <a:endParaRPr lang="en-US" dirty="0"/>
+          </a:p>
+        </p:txBody>
+      </p:sp>
+      <p:sp>
+        <p:nvSpPr>
+          <p:cNvPr id="6" name="Rectangle 5">
+            <a:extLst>
+              <a:ext uri="{FF2B5EF4-FFF2-40B4-BE49-F238E27FC236}">
+                <a16:creationId xmlns:a16="http://schemas.microsoft.com/office/drawing/2014/main" id="{E6B962F4-47EC-7246-B150-7184CD69BB95}"/>
+              </a:ext>
+            </a:extLst>
+          </p:cNvPr>
+          <p:cNvSpPr/>
+          <p:nvPr/>
+        </p:nvSpPr>
+        <p:spPr>
+          <a:xfrm>
+            <a:off x="3472961" y="1017680"/>
+            <a:ext cx="2517527" cy="310662"/>
+          </a:xfrm>
+          <a:prstGeom prst="rect">
+            <a:avLst/>
+          </a:prstGeom>
+          <a:solidFill>
+            <a:schemeClr val="accent5">
+              <a:lumMod val="20000"/>
+              <a:lumOff val="80000"/>
+            </a:schemeClr>
+          </a:solidFill>
+        </p:spPr>
+        <p:style>
+          <a:lnRef idx="2">
+            <a:schemeClr val="accent1">
+              <a:shade val="50000"/>
+            </a:schemeClr>
+          </a:lnRef>
+          <a:fillRef idx="1">
+            <a:schemeClr val="accent1"/>
+          </a:fillRef>
+          <a:effectRef idx="0">
+            <a:schemeClr val="accent1"/>
+          </a:effectRef>
+          <a:fontRef idx="minor">
+            <a:schemeClr val="lt1"/>
+          </a:fontRef>
+        </p:style>
+        <p:txBody>
+          <a:bodyPr rtlCol="0" anchor="ctr"/>
+          <a:lstStyle/>
+          <a:p>
+            <a:pPr algn="ctr"/>
+            <a:r>
+              <a:rPr lang="en-US" sz="1400" dirty="0">
+                <a:solidFill>
+                  <a:schemeClr val="tx1"/>
+                </a:solidFill>
+              </a:rPr>
+              <a:t>Death Certificate </a:t>
+            </a:r>
+            <a:r>
+              <a:rPr lang="en-US" sz="1050" dirty="0">
+                <a:solidFill>
+                  <a:schemeClr val="tx1"/>
+                </a:solidFill>
+              </a:rPr>
+              <a:t>(Composition</a:t>
+            </a:r>
+            <a:r>
+              <a:rPr lang="en-US" sz="1200" dirty="0">
+                <a:solidFill>
+                  <a:schemeClr val="tx1"/>
+                </a:solidFill>
+              </a:rPr>
+              <a:t>)</a:t>
+            </a:r>
+            <a:endParaRPr lang="en-US" dirty="0">
+              <a:solidFill>
+                <a:schemeClr val="tx1"/>
+              </a:solidFill>
+            </a:endParaRPr>
+          </a:p>
+        </p:txBody>
+      </p:sp>
+      <p:sp>
+        <p:nvSpPr>
+          <p:cNvPr id="10" name="TextBox 9">
+            <a:extLst>
+              <a:ext uri="{FF2B5EF4-FFF2-40B4-BE49-F238E27FC236}">
+                <a16:creationId xmlns:a16="http://schemas.microsoft.com/office/drawing/2014/main" id="{D68D7B59-A14E-0043-AE63-AA968ECDF4F5}"/>
+              </a:ext>
+            </a:extLst>
+          </p:cNvPr>
+          <p:cNvSpPr txBox="1"/>
+          <p:nvPr/>
+        </p:nvSpPr>
+        <p:spPr>
+          <a:xfrm>
+            <a:off x="457200" y="651999"/>
+            <a:ext cx="2880789" cy="369332"/>
+          </a:xfrm>
+          <a:prstGeom prst="rect">
+            <a:avLst/>
+          </a:prstGeom>
+          <a:noFill/>
+        </p:spPr>
+        <p:txBody>
+          <a:bodyPr wrap="none" rtlCol="0">
+            <a:spAutoFit/>
+          </a:bodyPr>
+          <a:lstStyle/>
+          <a:p>
+            <a:r>
+              <a:rPr lang="en-US" dirty="0">
+                <a:solidFill>
+                  <a:schemeClr val="bg2"/>
+                </a:solidFill>
+                <a:latin typeface="Calibri" panose="020F0502020204030204" pitchFamily="34" charset="0"/>
+              </a:rPr>
+              <a:t>Surveillance Bundle (Bundle)</a:t>
+            </a:r>
+          </a:p>
+        </p:txBody>
+      </p:sp>
+      <p:sp>
+        <p:nvSpPr>
+          <p:cNvPr id="19" name="Rectangle 18">
+            <a:extLst>
+              <a:ext uri="{FF2B5EF4-FFF2-40B4-BE49-F238E27FC236}">
+                <a16:creationId xmlns:a16="http://schemas.microsoft.com/office/drawing/2014/main" id="{7BDF14BD-D763-5F41-8772-36A9331CD7D4}"/>
+              </a:ext>
+            </a:extLst>
+          </p:cNvPr>
+          <p:cNvSpPr/>
+          <p:nvPr/>
+        </p:nvSpPr>
+        <p:spPr>
+          <a:xfrm>
+            <a:off x="928653" y="1351990"/>
+            <a:ext cx="2145319" cy="250851"/>
+          </a:xfrm>
+          <a:prstGeom prst="rect">
+            <a:avLst/>
+          </a:prstGeom>
+          <a:solidFill>
+            <a:srgbClr val="FBD5AB"/>
+          </a:solidFill>
+        </p:spPr>
+        <p:style>
+          <a:lnRef idx="2">
+            <a:schemeClr val="accent1">
+              <a:shade val="50000"/>
+            </a:schemeClr>
+          </a:lnRef>
+          <a:fillRef idx="1">
+            <a:schemeClr val="accent1"/>
+          </a:fillRef>
+          <a:effectRef idx="0">
+            <a:schemeClr val="accent1"/>
+          </a:effectRef>
+          <a:fontRef idx="minor">
+            <a:schemeClr val="lt1"/>
+          </a:fontRef>
+        </p:style>
+        <p:txBody>
+          <a:bodyPr rtlCol="0" anchor="ctr"/>
+          <a:lstStyle/>
+          <a:p>
+            <a:pPr algn="ctr"/>
+            <a:r>
+              <a:rPr lang="en-US" sz="1400" dirty="0">
+                <a:solidFill>
+                  <a:schemeClr val="tx1"/>
+                </a:solidFill>
+              </a:rPr>
+              <a:t>Decedent </a:t>
+            </a:r>
+            <a:r>
+              <a:rPr lang="en-US" sz="1050" dirty="0">
+                <a:solidFill>
+                  <a:schemeClr val="tx1"/>
+                </a:solidFill>
+              </a:rPr>
+              <a:t>(Patient</a:t>
+            </a:r>
+            <a:r>
+              <a:rPr lang="en-US" sz="1200" dirty="0">
+                <a:solidFill>
+                  <a:schemeClr val="tx1"/>
+                </a:solidFill>
+              </a:rPr>
+              <a:t>)</a:t>
+            </a:r>
+            <a:endParaRPr lang="en-US" dirty="0">
+              <a:solidFill>
+                <a:schemeClr val="tx1"/>
+              </a:solidFill>
+            </a:endParaRPr>
+          </a:p>
+        </p:txBody>
+      </p:sp>
+      <p:sp>
+        <p:nvSpPr>
+          <p:cNvPr id="21" name="Rectangle 20">
+            <a:extLst>
+              <a:ext uri="{FF2B5EF4-FFF2-40B4-BE49-F238E27FC236}">
+                <a16:creationId xmlns:a16="http://schemas.microsoft.com/office/drawing/2014/main" id="{F2BE9A60-864C-E643-9E11-F18029C66BF9}"/>
+              </a:ext>
+            </a:extLst>
+          </p:cNvPr>
+          <p:cNvSpPr/>
+          <p:nvPr/>
+        </p:nvSpPr>
+        <p:spPr>
+          <a:xfrm>
+            <a:off x="928653" y="1656530"/>
+            <a:ext cx="2145319" cy="250851"/>
+          </a:xfrm>
+          <a:prstGeom prst="rect">
+            <a:avLst/>
+          </a:prstGeom>
+          <a:solidFill>
+            <a:srgbClr val="FBD5AB"/>
+          </a:solidFill>
+        </p:spPr>
+        <p:style>
+          <a:lnRef idx="2">
+            <a:schemeClr val="accent1">
+              <a:shade val="50000"/>
+            </a:schemeClr>
+          </a:lnRef>
+          <a:fillRef idx="1">
+            <a:schemeClr val="accent1"/>
+          </a:fillRef>
+          <a:effectRef idx="0">
+            <a:schemeClr val="accent1"/>
+          </a:effectRef>
+          <a:fontRef idx="minor">
+            <a:schemeClr val="lt1"/>
+          </a:fontRef>
+        </p:style>
+        <p:txBody>
+          <a:bodyPr rtlCol="0" anchor="ctr"/>
+          <a:lstStyle/>
+          <a:p>
+            <a:pPr algn="ctr"/>
+            <a:r>
+              <a:rPr lang="en-US" sz="1400" dirty="0">
+                <a:solidFill>
+                  <a:schemeClr val="tx1"/>
+                </a:solidFill>
+              </a:rPr>
+              <a:t>Birth Record Identifier</a:t>
+            </a:r>
+            <a:endParaRPr lang="en-US" dirty="0">
+              <a:solidFill>
+                <a:schemeClr val="tx1"/>
+              </a:solidFill>
+            </a:endParaRPr>
+          </a:p>
+        </p:txBody>
+      </p:sp>
+      <p:sp>
+        <p:nvSpPr>
+          <p:cNvPr id="23" name="Rectangle 22">
+            <a:extLst>
+              <a:ext uri="{FF2B5EF4-FFF2-40B4-BE49-F238E27FC236}">
+                <a16:creationId xmlns:a16="http://schemas.microsoft.com/office/drawing/2014/main" id="{2D605315-2BEA-324E-8EAD-057BE6C2C6AB}"/>
+              </a:ext>
+            </a:extLst>
+          </p:cNvPr>
+          <p:cNvSpPr/>
+          <p:nvPr/>
+        </p:nvSpPr>
+        <p:spPr>
+          <a:xfrm>
+            <a:off x="928653" y="2265610"/>
+            <a:ext cx="2145319" cy="250851"/>
+          </a:xfrm>
+          <a:prstGeom prst="rect">
+            <a:avLst/>
+          </a:prstGeom>
+          <a:solidFill>
+            <a:srgbClr val="FBD5AB"/>
+          </a:solidFill>
+        </p:spPr>
+        <p:style>
+          <a:lnRef idx="2">
+            <a:schemeClr val="accent1">
+              <a:shade val="50000"/>
+            </a:schemeClr>
+          </a:lnRef>
+          <a:fillRef idx="1">
+            <a:schemeClr val="accent1"/>
+          </a:fillRef>
+          <a:effectRef idx="0">
+            <a:schemeClr val="accent1"/>
+          </a:effectRef>
+          <a:fontRef idx="minor">
+            <a:schemeClr val="lt1"/>
+          </a:fontRef>
+        </p:style>
+        <p:txBody>
+          <a:bodyPr rtlCol="0" anchor="ctr"/>
+          <a:lstStyle/>
+          <a:p>
+            <a:pPr algn="ctr"/>
+            <a:r>
+              <a:rPr lang="en-US" sz="1400" dirty="0">
+                <a:solidFill>
+                  <a:schemeClr val="tx1"/>
+                </a:solidFill>
+              </a:rPr>
+              <a:t>Father </a:t>
+            </a:r>
+            <a:r>
+              <a:rPr lang="en-US" sz="1050" dirty="0">
+                <a:solidFill>
+                  <a:schemeClr val="tx1"/>
+                </a:solidFill>
+              </a:rPr>
+              <a:t>(</a:t>
+            </a:r>
+            <a:r>
+              <a:rPr lang="en-US" sz="1050" dirty="0" err="1">
+                <a:solidFill>
+                  <a:schemeClr val="tx1"/>
+                </a:solidFill>
+              </a:rPr>
+              <a:t>RelatedPerson</a:t>
+            </a:r>
+            <a:r>
+              <a:rPr lang="en-US" sz="1200" dirty="0">
+                <a:solidFill>
+                  <a:schemeClr val="tx1"/>
+                </a:solidFill>
+              </a:rPr>
+              <a:t>)</a:t>
+            </a:r>
+            <a:endParaRPr lang="en-US" dirty="0">
+              <a:solidFill>
+                <a:schemeClr val="tx1"/>
+              </a:solidFill>
+            </a:endParaRPr>
+          </a:p>
+        </p:txBody>
+      </p:sp>
+      <p:sp>
+        <p:nvSpPr>
+          <p:cNvPr id="24" name="Rectangle 23">
+            <a:extLst>
+              <a:ext uri="{FF2B5EF4-FFF2-40B4-BE49-F238E27FC236}">
+                <a16:creationId xmlns:a16="http://schemas.microsoft.com/office/drawing/2014/main" id="{F70B01B0-152E-9741-8C8A-8B290EC3E509}"/>
+              </a:ext>
+            </a:extLst>
+          </p:cNvPr>
+          <p:cNvSpPr/>
+          <p:nvPr/>
+        </p:nvSpPr>
+        <p:spPr>
+          <a:xfrm>
+            <a:off x="928653" y="2570150"/>
+            <a:ext cx="2145319" cy="250851"/>
+          </a:xfrm>
+          <a:prstGeom prst="rect">
+            <a:avLst/>
+          </a:prstGeom>
+          <a:solidFill>
+            <a:srgbClr val="FBD5AB"/>
+          </a:solidFill>
+        </p:spPr>
+        <p:style>
+          <a:lnRef idx="2">
+            <a:schemeClr val="accent1">
+              <a:shade val="50000"/>
+            </a:schemeClr>
+          </a:lnRef>
+          <a:fillRef idx="1">
+            <a:schemeClr val="accent1"/>
+          </a:fillRef>
+          <a:effectRef idx="0">
+            <a:schemeClr val="accent1"/>
+          </a:effectRef>
+          <a:fontRef idx="minor">
+            <a:schemeClr val="lt1"/>
+          </a:fontRef>
+        </p:style>
+        <p:txBody>
+          <a:bodyPr rtlCol="0" anchor="ctr"/>
+          <a:lstStyle/>
+          <a:p>
+            <a:pPr algn="ctr"/>
+            <a:r>
+              <a:rPr lang="en-US" sz="1400" dirty="0">
+                <a:solidFill>
+                  <a:schemeClr val="tx1"/>
+                </a:solidFill>
+              </a:rPr>
+              <a:t>Spouse </a:t>
+            </a:r>
+            <a:r>
+              <a:rPr lang="en-US" sz="1050" dirty="0">
+                <a:solidFill>
+                  <a:schemeClr val="tx1"/>
+                </a:solidFill>
+              </a:rPr>
+              <a:t>(</a:t>
+            </a:r>
+            <a:r>
+              <a:rPr lang="en-US" sz="1050" dirty="0" err="1">
+                <a:solidFill>
+                  <a:schemeClr val="tx1"/>
+                </a:solidFill>
+              </a:rPr>
+              <a:t>RelatedPerson</a:t>
+            </a:r>
+            <a:r>
+              <a:rPr lang="en-US" sz="1200" dirty="0">
+                <a:solidFill>
+                  <a:schemeClr val="tx1"/>
+                </a:solidFill>
+              </a:rPr>
+              <a:t>)</a:t>
+            </a:r>
+            <a:endParaRPr lang="en-US" dirty="0">
+              <a:solidFill>
+                <a:schemeClr val="tx1"/>
+              </a:solidFill>
+            </a:endParaRPr>
+          </a:p>
+        </p:txBody>
+      </p:sp>
+      <p:sp>
+        <p:nvSpPr>
+          <p:cNvPr id="25" name="Rectangle 24">
+            <a:extLst>
+              <a:ext uri="{FF2B5EF4-FFF2-40B4-BE49-F238E27FC236}">
+                <a16:creationId xmlns:a16="http://schemas.microsoft.com/office/drawing/2014/main" id="{3FA56FBA-FF44-6248-BFE8-51C9B5B611AE}"/>
+              </a:ext>
+            </a:extLst>
+          </p:cNvPr>
+          <p:cNvSpPr/>
+          <p:nvPr/>
+        </p:nvSpPr>
+        <p:spPr>
+          <a:xfrm>
+            <a:off x="928653" y="2874690"/>
+            <a:ext cx="2145319" cy="250851"/>
+          </a:xfrm>
+          <a:prstGeom prst="rect">
+            <a:avLst/>
+          </a:prstGeom>
+          <a:solidFill>
+            <a:srgbClr val="FBD5AB"/>
+          </a:solidFill>
+        </p:spPr>
+        <p:style>
+          <a:lnRef idx="2">
+            <a:schemeClr val="accent1">
+              <a:shade val="50000"/>
+            </a:schemeClr>
+          </a:lnRef>
+          <a:fillRef idx="1">
+            <a:schemeClr val="accent1"/>
+          </a:fillRef>
+          <a:effectRef idx="0">
+            <a:schemeClr val="accent1"/>
+          </a:effectRef>
+          <a:fontRef idx="minor">
+            <a:schemeClr val="lt1"/>
+          </a:fontRef>
+        </p:style>
+        <p:txBody>
+          <a:bodyPr rtlCol="0" anchor="ctr"/>
+          <a:lstStyle/>
+          <a:p>
+            <a:pPr algn="ctr"/>
+            <a:r>
+              <a:rPr lang="en-US" sz="1400" dirty="0">
+                <a:solidFill>
+                  <a:schemeClr val="tx1"/>
+                </a:solidFill>
+              </a:rPr>
+              <a:t>Decedent Age</a:t>
+            </a:r>
+            <a:endParaRPr lang="en-US" dirty="0">
+              <a:solidFill>
+                <a:schemeClr val="tx1"/>
+              </a:solidFill>
+            </a:endParaRPr>
+          </a:p>
+        </p:txBody>
+      </p:sp>
+      <p:sp>
+        <p:nvSpPr>
+          <p:cNvPr id="26" name="Rectangle 25">
+            <a:extLst>
+              <a:ext uri="{FF2B5EF4-FFF2-40B4-BE49-F238E27FC236}">
+                <a16:creationId xmlns:a16="http://schemas.microsoft.com/office/drawing/2014/main" id="{7FE211AD-A8D7-C544-84FC-A81030AD111D}"/>
+              </a:ext>
+            </a:extLst>
+          </p:cNvPr>
+          <p:cNvSpPr/>
+          <p:nvPr/>
+        </p:nvSpPr>
+        <p:spPr>
+          <a:xfrm>
+            <a:off x="928653" y="3179230"/>
+            <a:ext cx="2145319" cy="250851"/>
+          </a:xfrm>
+          <a:prstGeom prst="rect">
+            <a:avLst/>
+          </a:prstGeom>
+          <a:solidFill>
+            <a:srgbClr val="FBD5AB"/>
+          </a:solidFill>
+        </p:spPr>
+        <p:style>
+          <a:lnRef idx="2">
+            <a:schemeClr val="accent1">
+              <a:shade val="50000"/>
+            </a:schemeClr>
+          </a:lnRef>
+          <a:fillRef idx="1">
+            <a:schemeClr val="accent1"/>
+          </a:fillRef>
+          <a:effectRef idx="0">
+            <a:schemeClr val="accent1"/>
+          </a:effectRef>
+          <a:fontRef idx="minor">
+            <a:schemeClr val="lt1"/>
+          </a:fontRef>
+        </p:style>
+        <p:txBody>
+          <a:bodyPr rtlCol="0" anchor="ctr"/>
+          <a:lstStyle/>
+          <a:p>
+            <a:pPr algn="ctr"/>
+            <a:r>
+              <a:rPr lang="en-US" sz="1400" dirty="0">
+                <a:solidFill>
+                  <a:schemeClr val="tx1"/>
+                </a:solidFill>
+              </a:rPr>
+              <a:t>Education Level</a:t>
+            </a:r>
+            <a:endParaRPr lang="en-US" dirty="0">
+              <a:solidFill>
+                <a:schemeClr val="tx1"/>
+              </a:solidFill>
+            </a:endParaRPr>
+          </a:p>
+        </p:txBody>
+      </p:sp>
+      <p:sp>
+        <p:nvSpPr>
+          <p:cNvPr id="27" name="Rectangle 26">
+            <a:extLst>
+              <a:ext uri="{FF2B5EF4-FFF2-40B4-BE49-F238E27FC236}">
+                <a16:creationId xmlns:a16="http://schemas.microsoft.com/office/drawing/2014/main" id="{0F03F4E4-48E1-CB4F-83E6-09A03881F912}"/>
+              </a:ext>
+            </a:extLst>
+          </p:cNvPr>
+          <p:cNvSpPr/>
+          <p:nvPr/>
+        </p:nvSpPr>
+        <p:spPr>
+          <a:xfrm>
+            <a:off x="928653" y="3483770"/>
+            <a:ext cx="2145319" cy="250851"/>
+          </a:xfrm>
+          <a:prstGeom prst="rect">
+            <a:avLst/>
+          </a:prstGeom>
+          <a:solidFill>
+            <a:srgbClr val="FBD5AB"/>
+          </a:solidFill>
+        </p:spPr>
+        <p:style>
+          <a:lnRef idx="2">
+            <a:schemeClr val="accent1">
+              <a:shade val="50000"/>
+            </a:schemeClr>
+          </a:lnRef>
+          <a:fillRef idx="1">
+            <a:schemeClr val="accent1"/>
+          </a:fillRef>
+          <a:effectRef idx="0">
+            <a:schemeClr val="accent1"/>
+          </a:effectRef>
+          <a:fontRef idx="minor">
+            <a:schemeClr val="lt1"/>
+          </a:fontRef>
+        </p:style>
+        <p:txBody>
+          <a:bodyPr rtlCol="0" anchor="ctr"/>
+          <a:lstStyle/>
+          <a:p>
+            <a:pPr algn="ctr"/>
+            <a:r>
+              <a:rPr lang="en-US" sz="1400" dirty="0">
+                <a:solidFill>
+                  <a:schemeClr val="tx1"/>
+                </a:solidFill>
+              </a:rPr>
+              <a:t>Usual Work</a:t>
+            </a:r>
+            <a:endParaRPr lang="en-US" dirty="0">
+              <a:solidFill>
+                <a:schemeClr val="tx1"/>
+              </a:solidFill>
+            </a:endParaRPr>
+          </a:p>
+        </p:txBody>
+      </p:sp>
+      <p:sp>
+        <p:nvSpPr>
+          <p:cNvPr id="28" name="Rectangle 27">
+            <a:extLst>
+              <a:ext uri="{FF2B5EF4-FFF2-40B4-BE49-F238E27FC236}">
+                <a16:creationId xmlns:a16="http://schemas.microsoft.com/office/drawing/2014/main" id="{C688E647-8B3E-9F4B-9581-6E418693D1EB}"/>
+              </a:ext>
+            </a:extLst>
+          </p:cNvPr>
+          <p:cNvSpPr/>
+          <p:nvPr/>
+        </p:nvSpPr>
+        <p:spPr>
+          <a:xfrm>
+            <a:off x="928653" y="3788310"/>
+            <a:ext cx="2145319" cy="250851"/>
+          </a:xfrm>
+          <a:prstGeom prst="rect">
+            <a:avLst/>
+          </a:prstGeom>
+          <a:solidFill>
+            <a:srgbClr val="FBD5AB"/>
+          </a:solidFill>
+        </p:spPr>
+        <p:style>
+          <a:lnRef idx="2">
+            <a:schemeClr val="accent1">
+              <a:shade val="50000"/>
+            </a:schemeClr>
+          </a:lnRef>
+          <a:fillRef idx="1">
+            <a:schemeClr val="accent1"/>
+          </a:fillRef>
+          <a:effectRef idx="0">
+            <a:schemeClr val="accent1"/>
+          </a:effectRef>
+          <a:fontRef idx="minor">
+            <a:schemeClr val="lt1"/>
+          </a:fontRef>
+        </p:style>
+        <p:txBody>
+          <a:bodyPr rtlCol="0" anchor="ctr"/>
+          <a:lstStyle/>
+          <a:p>
+            <a:pPr algn="ctr"/>
+            <a:r>
+              <a:rPr lang="en-US" sz="1400" dirty="0">
+                <a:solidFill>
+                  <a:schemeClr val="tx1"/>
+                </a:solidFill>
+              </a:rPr>
+              <a:t>Military Service</a:t>
+            </a:r>
+            <a:endParaRPr lang="en-US" dirty="0">
+              <a:solidFill>
+                <a:schemeClr val="tx1"/>
+              </a:solidFill>
+            </a:endParaRPr>
+          </a:p>
+        </p:txBody>
+      </p:sp>
+      <p:sp>
+        <p:nvSpPr>
+          <p:cNvPr id="29" name="Rectangle 28">
+            <a:extLst>
+              <a:ext uri="{FF2B5EF4-FFF2-40B4-BE49-F238E27FC236}">
+                <a16:creationId xmlns:a16="http://schemas.microsoft.com/office/drawing/2014/main" id="{6D273820-2B1F-B84E-B358-666A5BFF2D67}"/>
+              </a:ext>
+            </a:extLst>
+          </p:cNvPr>
+          <p:cNvSpPr/>
+          <p:nvPr/>
+        </p:nvSpPr>
+        <p:spPr>
+          <a:xfrm>
+            <a:off x="928653" y="4092846"/>
+            <a:ext cx="2145319" cy="250851"/>
+          </a:xfrm>
+          <a:prstGeom prst="rect">
+            <a:avLst/>
+          </a:prstGeom>
+          <a:solidFill>
+            <a:srgbClr val="FBD5AB"/>
+          </a:solidFill>
+        </p:spPr>
+        <p:style>
+          <a:lnRef idx="2">
+            <a:schemeClr val="accent1">
+              <a:shade val="50000"/>
+            </a:schemeClr>
+          </a:lnRef>
+          <a:fillRef idx="1">
+            <a:schemeClr val="accent1"/>
+          </a:fillRef>
+          <a:effectRef idx="0">
+            <a:schemeClr val="accent1"/>
+          </a:effectRef>
+          <a:fontRef idx="minor">
+            <a:schemeClr val="lt1"/>
+          </a:fontRef>
+        </p:style>
+        <p:txBody>
+          <a:bodyPr rtlCol="0" anchor="ctr"/>
+          <a:lstStyle/>
+          <a:p>
+            <a:pPr algn="ctr"/>
+            <a:r>
+              <a:rPr lang="en-US" sz="1400" dirty="0">
+                <a:solidFill>
+                  <a:schemeClr val="tx1"/>
+                </a:solidFill>
+              </a:rPr>
+              <a:t>Emerging Issues</a:t>
+            </a:r>
+            <a:endParaRPr lang="en-US" dirty="0">
+              <a:solidFill>
+                <a:schemeClr val="tx1"/>
+              </a:solidFill>
+            </a:endParaRPr>
+          </a:p>
+        </p:txBody>
+      </p:sp>
+      <p:sp>
+        <p:nvSpPr>
+          <p:cNvPr id="30" name="Rectangle 29">
+            <a:extLst>
+              <a:ext uri="{FF2B5EF4-FFF2-40B4-BE49-F238E27FC236}">
+                <a16:creationId xmlns:a16="http://schemas.microsoft.com/office/drawing/2014/main" id="{BC352D23-897E-6748-B959-439C9EB901FB}"/>
+              </a:ext>
+            </a:extLst>
+          </p:cNvPr>
+          <p:cNvSpPr/>
+          <p:nvPr/>
+        </p:nvSpPr>
+        <p:spPr>
+          <a:xfrm>
+            <a:off x="928653" y="4413868"/>
+            <a:ext cx="2145319" cy="250851"/>
+          </a:xfrm>
+          <a:prstGeom prst="rect">
+            <a:avLst/>
+          </a:prstGeom>
+          <a:solidFill>
+            <a:srgbClr val="FBD5AB"/>
+          </a:solidFill>
+        </p:spPr>
+        <p:style>
+          <a:lnRef idx="2">
+            <a:schemeClr val="accent1">
+              <a:shade val="50000"/>
+            </a:schemeClr>
+          </a:lnRef>
+          <a:fillRef idx="1">
+            <a:schemeClr val="accent1"/>
+          </a:fillRef>
+          <a:effectRef idx="0">
+            <a:schemeClr val="accent1"/>
+          </a:effectRef>
+          <a:fontRef idx="minor">
+            <a:schemeClr val="lt1"/>
+          </a:fontRef>
+        </p:style>
+        <p:txBody>
+          <a:bodyPr rtlCol="0" anchor="ctr"/>
+          <a:lstStyle/>
+          <a:p>
+            <a:pPr algn="ctr"/>
+            <a:r>
+              <a:rPr lang="en-US" sz="1400" dirty="0">
+                <a:solidFill>
+                  <a:schemeClr val="tx1"/>
+                </a:solidFill>
+              </a:rPr>
+              <a:t>Race/Ethnicity (Input)</a:t>
+            </a:r>
+            <a:endParaRPr lang="en-US" dirty="0">
+              <a:solidFill>
+                <a:schemeClr val="tx1"/>
+              </a:solidFill>
+            </a:endParaRPr>
+          </a:p>
+        </p:txBody>
+      </p:sp>
+      <p:sp>
+        <p:nvSpPr>
+          <p:cNvPr id="31" name="Rectangle 30">
+            <a:extLst>
+              <a:ext uri="{FF2B5EF4-FFF2-40B4-BE49-F238E27FC236}">
+                <a16:creationId xmlns:a16="http://schemas.microsoft.com/office/drawing/2014/main" id="{23FEE7BD-1E96-8B47-8A87-09167DF5C8B5}"/>
+              </a:ext>
+            </a:extLst>
+          </p:cNvPr>
+          <p:cNvSpPr/>
+          <p:nvPr/>
+        </p:nvSpPr>
+        <p:spPr>
+          <a:xfrm>
+            <a:off x="3382100" y="1655015"/>
+            <a:ext cx="2145319" cy="250851"/>
+          </a:xfrm>
+          <a:prstGeom prst="rect">
+            <a:avLst/>
+          </a:prstGeom>
+          <a:solidFill>
+            <a:schemeClr val="accent2">
+              <a:lumMod val="20000"/>
+              <a:lumOff val="80000"/>
+            </a:schemeClr>
+          </a:solidFill>
+        </p:spPr>
+        <p:style>
+          <a:lnRef idx="2">
+            <a:schemeClr val="accent1">
+              <a:shade val="50000"/>
+            </a:schemeClr>
+          </a:lnRef>
+          <a:fillRef idx="1">
+            <a:schemeClr val="accent1"/>
+          </a:fillRef>
+          <a:effectRef idx="0">
+            <a:schemeClr val="accent1"/>
+          </a:effectRef>
+          <a:fontRef idx="minor">
+            <a:schemeClr val="lt1"/>
+          </a:fontRef>
+        </p:style>
+        <p:txBody>
+          <a:bodyPr rtlCol="0" anchor="ctr"/>
+          <a:lstStyle/>
+          <a:p>
+            <a:pPr algn="ctr"/>
+            <a:r>
+              <a:rPr lang="en-US" sz="1400" dirty="0">
+                <a:solidFill>
+                  <a:schemeClr val="tx1"/>
+                </a:solidFill>
+              </a:rPr>
+              <a:t>Autopsy Performed</a:t>
+            </a:r>
+            <a:endParaRPr lang="en-US" dirty="0">
+              <a:solidFill>
+                <a:schemeClr val="tx1"/>
+              </a:solidFill>
+            </a:endParaRPr>
+          </a:p>
+        </p:txBody>
+      </p:sp>
+      <p:sp>
+        <p:nvSpPr>
+          <p:cNvPr id="32" name="Rectangle 31">
+            <a:extLst>
+              <a:ext uri="{FF2B5EF4-FFF2-40B4-BE49-F238E27FC236}">
+                <a16:creationId xmlns:a16="http://schemas.microsoft.com/office/drawing/2014/main" id="{04A37B77-8A32-A844-B3B2-6B6F8D99E250}"/>
+              </a:ext>
+            </a:extLst>
+          </p:cNvPr>
+          <p:cNvSpPr/>
+          <p:nvPr/>
+        </p:nvSpPr>
+        <p:spPr>
+          <a:xfrm>
+            <a:off x="3382100" y="1959555"/>
+            <a:ext cx="2145319" cy="250851"/>
+          </a:xfrm>
+          <a:prstGeom prst="rect">
+            <a:avLst/>
+          </a:prstGeom>
+          <a:solidFill>
+            <a:schemeClr val="accent2">
+              <a:lumMod val="20000"/>
+              <a:lumOff val="80000"/>
+            </a:schemeClr>
+          </a:solidFill>
+        </p:spPr>
+        <p:style>
+          <a:lnRef idx="2">
+            <a:schemeClr val="accent1">
+              <a:shade val="50000"/>
+            </a:schemeClr>
+          </a:lnRef>
+          <a:fillRef idx="1">
+            <a:schemeClr val="accent1"/>
+          </a:fillRef>
+          <a:effectRef idx="0">
+            <a:schemeClr val="accent1"/>
+          </a:effectRef>
+          <a:fontRef idx="minor">
+            <a:schemeClr val="lt1"/>
+          </a:fontRef>
+        </p:style>
+        <p:txBody>
+          <a:bodyPr rtlCol="0" anchor="ctr"/>
+          <a:lstStyle/>
+          <a:p>
+            <a:pPr algn="ctr"/>
+            <a:r>
+              <a:rPr lang="en-US" sz="1400" dirty="0">
+                <a:solidFill>
+                  <a:schemeClr val="tx1"/>
+                </a:solidFill>
+              </a:rPr>
+              <a:t>Death Date</a:t>
+            </a:r>
+            <a:endParaRPr lang="en-US" dirty="0">
+              <a:solidFill>
+                <a:schemeClr val="tx1"/>
+              </a:solidFill>
+            </a:endParaRPr>
+          </a:p>
+        </p:txBody>
+      </p:sp>
+      <p:sp>
+        <p:nvSpPr>
+          <p:cNvPr id="33" name="Rectangle 32">
+            <a:extLst>
+              <a:ext uri="{FF2B5EF4-FFF2-40B4-BE49-F238E27FC236}">
+                <a16:creationId xmlns:a16="http://schemas.microsoft.com/office/drawing/2014/main" id="{D55101BB-6771-8B4F-B32B-36CD22FBC93B}"/>
+              </a:ext>
+            </a:extLst>
+          </p:cNvPr>
+          <p:cNvSpPr/>
+          <p:nvPr/>
+        </p:nvSpPr>
+        <p:spPr>
+          <a:xfrm>
+            <a:off x="3382100" y="2264095"/>
+            <a:ext cx="2145319" cy="250851"/>
+          </a:xfrm>
+          <a:prstGeom prst="rect">
+            <a:avLst/>
+          </a:prstGeom>
+          <a:solidFill>
+            <a:schemeClr val="accent2">
+              <a:lumMod val="20000"/>
+              <a:lumOff val="80000"/>
+            </a:schemeClr>
+          </a:solidFill>
+        </p:spPr>
+        <p:style>
+          <a:lnRef idx="2">
+            <a:schemeClr val="accent1">
+              <a:shade val="50000"/>
+            </a:schemeClr>
+          </a:lnRef>
+          <a:fillRef idx="1">
+            <a:schemeClr val="accent1"/>
+          </a:fillRef>
+          <a:effectRef idx="0">
+            <a:schemeClr val="accent1"/>
+          </a:effectRef>
+          <a:fontRef idx="minor">
+            <a:schemeClr val="lt1"/>
+          </a:fontRef>
+        </p:style>
+        <p:txBody>
+          <a:bodyPr rtlCol="0" anchor="ctr"/>
+          <a:lstStyle/>
+          <a:p>
+            <a:pPr algn="ctr"/>
+            <a:r>
+              <a:rPr lang="en-US" sz="1400" dirty="0">
+                <a:solidFill>
+                  <a:schemeClr val="tx1"/>
+                </a:solidFill>
+              </a:rPr>
+              <a:t>Death Location </a:t>
+            </a:r>
+            <a:r>
+              <a:rPr lang="en-US" sz="1050" dirty="0">
+                <a:solidFill>
+                  <a:schemeClr val="tx1"/>
+                </a:solidFill>
+              </a:rPr>
+              <a:t>(Location</a:t>
+            </a:r>
+            <a:r>
+              <a:rPr lang="en-US" sz="1200" dirty="0">
+                <a:solidFill>
+                  <a:schemeClr val="tx1"/>
+                </a:solidFill>
+              </a:rPr>
+              <a:t>)</a:t>
+            </a:r>
+            <a:endParaRPr lang="en-US" dirty="0">
+              <a:solidFill>
+                <a:schemeClr val="tx1"/>
+              </a:solidFill>
+            </a:endParaRPr>
+          </a:p>
+        </p:txBody>
+      </p:sp>
+      <p:sp>
+        <p:nvSpPr>
+          <p:cNvPr id="34" name="Rectangle 33">
+            <a:extLst>
+              <a:ext uri="{FF2B5EF4-FFF2-40B4-BE49-F238E27FC236}">
+                <a16:creationId xmlns:a16="http://schemas.microsoft.com/office/drawing/2014/main" id="{6B80DC4C-33C7-8249-8976-0153F774A9B9}"/>
+              </a:ext>
+            </a:extLst>
+          </p:cNvPr>
+          <p:cNvSpPr/>
+          <p:nvPr/>
+        </p:nvSpPr>
+        <p:spPr>
+          <a:xfrm>
+            <a:off x="3382100" y="2568635"/>
+            <a:ext cx="2145319" cy="250851"/>
+          </a:xfrm>
+          <a:prstGeom prst="rect">
+            <a:avLst/>
+          </a:prstGeom>
+          <a:solidFill>
+            <a:schemeClr val="accent2">
+              <a:lumMod val="20000"/>
+              <a:lumOff val="80000"/>
+            </a:schemeClr>
+          </a:solidFill>
+        </p:spPr>
+        <p:style>
+          <a:lnRef idx="2">
+            <a:schemeClr val="accent1">
+              <a:shade val="50000"/>
+            </a:schemeClr>
+          </a:lnRef>
+          <a:fillRef idx="1">
+            <a:schemeClr val="accent1"/>
+          </a:fillRef>
+          <a:effectRef idx="0">
+            <a:schemeClr val="accent1"/>
+          </a:effectRef>
+          <a:fontRef idx="minor">
+            <a:schemeClr val="lt1"/>
+          </a:fontRef>
+        </p:style>
+        <p:txBody>
+          <a:bodyPr rtlCol="0" anchor="ctr"/>
+          <a:lstStyle/>
+          <a:p>
+            <a:pPr algn="ctr"/>
+            <a:r>
+              <a:rPr lang="en-US" sz="1400" dirty="0">
+                <a:solidFill>
+                  <a:schemeClr val="tx1"/>
+                </a:solidFill>
+              </a:rPr>
+              <a:t>Pregnancy Status</a:t>
+            </a:r>
+            <a:endParaRPr lang="en-US" dirty="0">
+              <a:solidFill>
+                <a:schemeClr val="tx1"/>
+              </a:solidFill>
+            </a:endParaRPr>
+          </a:p>
+        </p:txBody>
+      </p:sp>
+      <p:sp>
+        <p:nvSpPr>
+          <p:cNvPr id="35" name="Rectangle 34">
+            <a:extLst>
+              <a:ext uri="{FF2B5EF4-FFF2-40B4-BE49-F238E27FC236}">
+                <a16:creationId xmlns:a16="http://schemas.microsoft.com/office/drawing/2014/main" id="{6875CC81-A511-AA49-B02D-B496209B3C89}"/>
+              </a:ext>
+            </a:extLst>
+          </p:cNvPr>
+          <p:cNvSpPr/>
+          <p:nvPr/>
+        </p:nvSpPr>
+        <p:spPr>
+          <a:xfrm>
+            <a:off x="3382100" y="2873175"/>
+            <a:ext cx="2145319" cy="250851"/>
+          </a:xfrm>
+          <a:prstGeom prst="rect">
+            <a:avLst/>
+          </a:prstGeom>
+          <a:solidFill>
+            <a:schemeClr val="accent2">
+              <a:lumMod val="20000"/>
+              <a:lumOff val="80000"/>
+            </a:schemeClr>
+          </a:solidFill>
+        </p:spPr>
+        <p:style>
+          <a:lnRef idx="2">
+            <a:schemeClr val="accent1">
+              <a:shade val="50000"/>
+            </a:schemeClr>
+          </a:lnRef>
+          <a:fillRef idx="1">
+            <a:schemeClr val="accent1"/>
+          </a:fillRef>
+          <a:effectRef idx="0">
+            <a:schemeClr val="accent1"/>
+          </a:effectRef>
+          <a:fontRef idx="minor">
+            <a:schemeClr val="lt1"/>
+          </a:fontRef>
+        </p:style>
+        <p:txBody>
+          <a:bodyPr rtlCol="0" anchor="ctr"/>
+          <a:lstStyle/>
+          <a:p>
+            <a:pPr algn="ctr"/>
+            <a:r>
+              <a:rPr lang="en-US" sz="1400" dirty="0">
+                <a:solidFill>
+                  <a:schemeClr val="tx1"/>
+                </a:solidFill>
+              </a:rPr>
+              <a:t>Examiner Contacted</a:t>
+            </a:r>
+            <a:endParaRPr lang="en-US" dirty="0">
+              <a:solidFill>
+                <a:schemeClr val="tx1"/>
+              </a:solidFill>
+            </a:endParaRPr>
+          </a:p>
+        </p:txBody>
+      </p:sp>
+      <p:sp>
+        <p:nvSpPr>
+          <p:cNvPr id="36" name="Rectangle 35">
+            <a:extLst>
+              <a:ext uri="{FF2B5EF4-FFF2-40B4-BE49-F238E27FC236}">
+                <a16:creationId xmlns:a16="http://schemas.microsoft.com/office/drawing/2014/main" id="{8A7F7D7C-898E-4A49-ABEC-3C1D0154F447}"/>
+              </a:ext>
+            </a:extLst>
+          </p:cNvPr>
+          <p:cNvSpPr/>
+          <p:nvPr/>
+        </p:nvSpPr>
+        <p:spPr>
+          <a:xfrm>
+            <a:off x="3382100" y="3177715"/>
+            <a:ext cx="2145319" cy="250851"/>
+          </a:xfrm>
+          <a:prstGeom prst="rect">
+            <a:avLst/>
+          </a:prstGeom>
+          <a:solidFill>
+            <a:schemeClr val="accent2">
+              <a:lumMod val="20000"/>
+              <a:lumOff val="80000"/>
+            </a:schemeClr>
+          </a:solidFill>
+        </p:spPr>
+        <p:style>
+          <a:lnRef idx="2">
+            <a:schemeClr val="accent1">
+              <a:shade val="50000"/>
+            </a:schemeClr>
+          </a:lnRef>
+          <a:fillRef idx="1">
+            <a:schemeClr val="accent1"/>
+          </a:fillRef>
+          <a:effectRef idx="0">
+            <a:schemeClr val="accent1"/>
+          </a:effectRef>
+          <a:fontRef idx="minor">
+            <a:schemeClr val="lt1"/>
+          </a:fontRef>
+        </p:style>
+        <p:txBody>
+          <a:bodyPr rtlCol="0" anchor="ctr"/>
+          <a:lstStyle/>
+          <a:p>
+            <a:pPr algn="ctr"/>
+            <a:r>
+              <a:rPr lang="en-US" sz="1400" dirty="0">
+                <a:solidFill>
+                  <a:schemeClr val="tx1"/>
+                </a:solidFill>
+              </a:rPr>
+              <a:t>Injury Incident</a:t>
+            </a:r>
+            <a:endParaRPr lang="en-US" dirty="0">
+              <a:solidFill>
+                <a:schemeClr val="tx1"/>
+              </a:solidFill>
+            </a:endParaRPr>
+          </a:p>
+        </p:txBody>
+      </p:sp>
+      <p:sp>
+        <p:nvSpPr>
+          <p:cNvPr id="37" name="Rectangle 36">
+            <a:extLst>
+              <a:ext uri="{FF2B5EF4-FFF2-40B4-BE49-F238E27FC236}">
+                <a16:creationId xmlns:a16="http://schemas.microsoft.com/office/drawing/2014/main" id="{2BF123A7-A1FC-7047-8BE9-5700449BCF53}"/>
+              </a:ext>
+            </a:extLst>
+          </p:cNvPr>
+          <p:cNvSpPr/>
+          <p:nvPr/>
+        </p:nvSpPr>
+        <p:spPr>
+          <a:xfrm>
+            <a:off x="3382100" y="3482255"/>
+            <a:ext cx="2145319" cy="250851"/>
+          </a:xfrm>
+          <a:prstGeom prst="rect">
+            <a:avLst/>
+          </a:prstGeom>
+          <a:solidFill>
+            <a:schemeClr val="accent2">
+              <a:lumMod val="20000"/>
+              <a:lumOff val="80000"/>
+            </a:schemeClr>
+          </a:solidFill>
+        </p:spPr>
+        <p:style>
+          <a:lnRef idx="2">
+            <a:schemeClr val="accent1">
+              <a:shade val="50000"/>
+            </a:schemeClr>
+          </a:lnRef>
+          <a:fillRef idx="1">
+            <a:schemeClr val="accent1"/>
+          </a:fillRef>
+          <a:effectRef idx="0">
+            <a:schemeClr val="accent1"/>
+          </a:effectRef>
+          <a:fontRef idx="minor">
+            <a:schemeClr val="lt1"/>
+          </a:fontRef>
+        </p:style>
+        <p:txBody>
+          <a:bodyPr rtlCol="0" anchor="ctr"/>
+          <a:lstStyle/>
+          <a:p>
+            <a:pPr algn="ctr"/>
+            <a:r>
+              <a:rPr lang="en-US" sz="1400" dirty="0">
+                <a:solidFill>
+                  <a:schemeClr val="tx1"/>
+                </a:solidFill>
+              </a:rPr>
+              <a:t>Injury Location </a:t>
+            </a:r>
+            <a:r>
+              <a:rPr lang="en-US" sz="1050" dirty="0">
+                <a:solidFill>
+                  <a:schemeClr val="tx1"/>
+                </a:solidFill>
+              </a:rPr>
+              <a:t>(Location</a:t>
+            </a:r>
+            <a:r>
+              <a:rPr lang="en-US" sz="1200" dirty="0">
+                <a:solidFill>
+                  <a:schemeClr val="tx1"/>
+                </a:solidFill>
+              </a:rPr>
+              <a:t>)</a:t>
+            </a:r>
+            <a:endParaRPr lang="en-US" dirty="0">
+              <a:solidFill>
+                <a:schemeClr val="tx1"/>
+              </a:solidFill>
+            </a:endParaRPr>
+          </a:p>
+        </p:txBody>
+      </p:sp>
+      <p:sp>
+        <p:nvSpPr>
+          <p:cNvPr id="38" name="Rectangle 37">
+            <a:extLst>
+              <a:ext uri="{FF2B5EF4-FFF2-40B4-BE49-F238E27FC236}">
+                <a16:creationId xmlns:a16="http://schemas.microsoft.com/office/drawing/2014/main" id="{4A9A8897-7944-8B40-8810-1175BED7CB77}"/>
+              </a:ext>
+            </a:extLst>
+          </p:cNvPr>
+          <p:cNvSpPr/>
+          <p:nvPr/>
+        </p:nvSpPr>
+        <p:spPr>
+          <a:xfrm>
+            <a:off x="3382100" y="3786795"/>
+            <a:ext cx="2145319" cy="250851"/>
+          </a:xfrm>
+          <a:prstGeom prst="rect">
+            <a:avLst/>
+          </a:prstGeom>
+          <a:solidFill>
+            <a:schemeClr val="accent2">
+              <a:lumMod val="20000"/>
+              <a:lumOff val="80000"/>
+            </a:schemeClr>
+          </a:solidFill>
+        </p:spPr>
+        <p:style>
+          <a:lnRef idx="2">
+            <a:schemeClr val="accent1">
+              <a:shade val="50000"/>
+            </a:schemeClr>
+          </a:lnRef>
+          <a:fillRef idx="1">
+            <a:schemeClr val="accent1"/>
+          </a:fillRef>
+          <a:effectRef idx="0">
+            <a:schemeClr val="accent1"/>
+          </a:effectRef>
+          <a:fontRef idx="minor">
+            <a:schemeClr val="lt1"/>
+          </a:fontRef>
+        </p:style>
+        <p:txBody>
+          <a:bodyPr rtlCol="0" anchor="ctr"/>
+          <a:lstStyle/>
+          <a:p>
+            <a:pPr algn="ctr"/>
+            <a:r>
+              <a:rPr lang="en-US" sz="1400" dirty="0">
+                <a:solidFill>
+                  <a:schemeClr val="tx1"/>
+                </a:solidFill>
+              </a:rPr>
+              <a:t>Surgery Date</a:t>
+            </a:r>
+            <a:endParaRPr lang="en-US" dirty="0">
+              <a:solidFill>
+                <a:schemeClr val="tx1"/>
+              </a:solidFill>
+            </a:endParaRPr>
+          </a:p>
+        </p:txBody>
+      </p:sp>
+      <p:sp>
+        <p:nvSpPr>
+          <p:cNvPr id="39" name="Rectangle 38">
+            <a:extLst>
+              <a:ext uri="{FF2B5EF4-FFF2-40B4-BE49-F238E27FC236}">
+                <a16:creationId xmlns:a16="http://schemas.microsoft.com/office/drawing/2014/main" id="{CC019278-07E5-434C-975B-6B2B74E98782}"/>
+              </a:ext>
+            </a:extLst>
+          </p:cNvPr>
+          <p:cNvSpPr/>
+          <p:nvPr/>
+        </p:nvSpPr>
+        <p:spPr>
+          <a:xfrm>
+            <a:off x="3382100" y="4091331"/>
+            <a:ext cx="2145319" cy="250851"/>
+          </a:xfrm>
+          <a:prstGeom prst="rect">
+            <a:avLst/>
+          </a:prstGeom>
+          <a:solidFill>
+            <a:schemeClr val="accent2">
+              <a:lumMod val="20000"/>
+              <a:lumOff val="80000"/>
+            </a:schemeClr>
+          </a:solidFill>
+        </p:spPr>
+        <p:style>
+          <a:lnRef idx="2">
+            <a:schemeClr val="accent1">
+              <a:shade val="50000"/>
+            </a:schemeClr>
+          </a:lnRef>
+          <a:fillRef idx="1">
+            <a:schemeClr val="accent1"/>
+          </a:fillRef>
+          <a:effectRef idx="0">
+            <a:schemeClr val="accent1"/>
+          </a:effectRef>
+          <a:fontRef idx="minor">
+            <a:schemeClr val="lt1"/>
+          </a:fontRef>
+        </p:style>
+        <p:txBody>
+          <a:bodyPr rtlCol="0" anchor="ctr"/>
+          <a:lstStyle/>
+          <a:p>
+            <a:pPr algn="ctr"/>
+            <a:r>
+              <a:rPr lang="en-US" sz="1400" dirty="0">
+                <a:solidFill>
+                  <a:schemeClr val="tx1"/>
+                </a:solidFill>
+              </a:rPr>
+              <a:t>Tobacco Use Contributed</a:t>
+            </a:r>
+            <a:endParaRPr lang="en-US" dirty="0">
+              <a:solidFill>
+                <a:schemeClr val="tx1"/>
+              </a:solidFill>
+            </a:endParaRPr>
+          </a:p>
+        </p:txBody>
+      </p:sp>
+      <p:sp>
+        <p:nvSpPr>
+          <p:cNvPr id="40" name="Rectangle 39">
+            <a:extLst>
+              <a:ext uri="{FF2B5EF4-FFF2-40B4-BE49-F238E27FC236}">
+                <a16:creationId xmlns:a16="http://schemas.microsoft.com/office/drawing/2014/main" id="{708E94BD-7F61-A14E-8516-10AB544747B5}"/>
+              </a:ext>
+            </a:extLst>
+          </p:cNvPr>
+          <p:cNvSpPr/>
+          <p:nvPr/>
+        </p:nvSpPr>
+        <p:spPr>
+          <a:xfrm>
+            <a:off x="5990488" y="1655015"/>
+            <a:ext cx="2145319" cy="250851"/>
+          </a:xfrm>
+          <a:prstGeom prst="rect">
+            <a:avLst/>
+          </a:prstGeom>
+          <a:solidFill>
+            <a:schemeClr val="accent4">
+              <a:lumMod val="60000"/>
+              <a:lumOff val="40000"/>
+            </a:schemeClr>
+          </a:solidFill>
+        </p:spPr>
+        <p:style>
+          <a:lnRef idx="2">
+            <a:schemeClr val="accent1">
+              <a:shade val="50000"/>
+            </a:schemeClr>
+          </a:lnRef>
+          <a:fillRef idx="1">
+            <a:schemeClr val="accent1"/>
+          </a:fillRef>
+          <a:effectRef idx="0">
+            <a:schemeClr val="accent1"/>
+          </a:effectRef>
+          <a:fontRef idx="minor">
+            <a:schemeClr val="lt1"/>
+          </a:fontRef>
+        </p:style>
+        <p:txBody>
+          <a:bodyPr rtlCol="0" anchor="ctr"/>
+          <a:lstStyle/>
+          <a:p>
+            <a:pPr algn="ctr"/>
+            <a:r>
+              <a:rPr lang="en-US" sz="1400" dirty="0">
+                <a:solidFill>
+                  <a:schemeClr val="tx1"/>
+                </a:solidFill>
+              </a:rPr>
+              <a:t>COD Part 1</a:t>
+            </a:r>
+            <a:endParaRPr lang="en-US" dirty="0">
+              <a:solidFill>
+                <a:schemeClr val="tx1"/>
+              </a:solidFill>
+            </a:endParaRPr>
+          </a:p>
+        </p:txBody>
+      </p:sp>
+      <p:sp>
+        <p:nvSpPr>
+          <p:cNvPr id="41" name="Rectangle 40">
+            <a:extLst>
+              <a:ext uri="{FF2B5EF4-FFF2-40B4-BE49-F238E27FC236}">
+                <a16:creationId xmlns:a16="http://schemas.microsoft.com/office/drawing/2014/main" id="{2ABA2D00-3DC5-4A40-83A9-7D74C246FCEE}"/>
+              </a:ext>
+            </a:extLst>
+          </p:cNvPr>
+          <p:cNvSpPr/>
+          <p:nvPr/>
+        </p:nvSpPr>
+        <p:spPr>
+          <a:xfrm>
+            <a:off x="5990488" y="1959555"/>
+            <a:ext cx="2145319" cy="250851"/>
+          </a:xfrm>
+          <a:prstGeom prst="rect">
+            <a:avLst/>
+          </a:prstGeom>
+          <a:solidFill>
+            <a:schemeClr val="accent4">
+              <a:lumMod val="60000"/>
+              <a:lumOff val="40000"/>
+            </a:schemeClr>
+          </a:solidFill>
+        </p:spPr>
+        <p:style>
+          <a:lnRef idx="2">
+            <a:schemeClr val="accent1">
+              <a:shade val="50000"/>
+            </a:schemeClr>
+          </a:lnRef>
+          <a:fillRef idx="1">
+            <a:schemeClr val="accent1"/>
+          </a:fillRef>
+          <a:effectRef idx="0">
+            <a:schemeClr val="accent1"/>
+          </a:effectRef>
+          <a:fontRef idx="minor">
+            <a:schemeClr val="lt1"/>
+          </a:fontRef>
+        </p:style>
+        <p:txBody>
+          <a:bodyPr rtlCol="0" anchor="ctr"/>
+          <a:lstStyle/>
+          <a:p>
+            <a:pPr algn="ctr"/>
+            <a:r>
+              <a:rPr lang="en-US" sz="1400" dirty="0">
+                <a:solidFill>
+                  <a:schemeClr val="tx1"/>
+                </a:solidFill>
+              </a:rPr>
+              <a:t>COD Part 2</a:t>
+            </a:r>
+            <a:endParaRPr lang="en-US" dirty="0">
+              <a:solidFill>
+                <a:schemeClr val="tx1"/>
+              </a:solidFill>
+            </a:endParaRPr>
+          </a:p>
+        </p:txBody>
+      </p:sp>
+      <p:sp>
+        <p:nvSpPr>
+          <p:cNvPr id="42" name="Rectangle 41">
+            <a:extLst>
+              <a:ext uri="{FF2B5EF4-FFF2-40B4-BE49-F238E27FC236}">
+                <a16:creationId xmlns:a16="http://schemas.microsoft.com/office/drawing/2014/main" id="{16D7E0ED-8675-C149-B388-02F00AF89FEC}"/>
+              </a:ext>
+            </a:extLst>
+          </p:cNvPr>
+          <p:cNvSpPr/>
+          <p:nvPr/>
+        </p:nvSpPr>
+        <p:spPr>
+          <a:xfrm>
+            <a:off x="5990488" y="2264095"/>
+            <a:ext cx="2145319" cy="250851"/>
+          </a:xfrm>
+          <a:prstGeom prst="rect">
+            <a:avLst/>
+          </a:prstGeom>
+          <a:solidFill>
+            <a:schemeClr val="accent4">
+              <a:lumMod val="60000"/>
+              <a:lumOff val="40000"/>
+            </a:schemeClr>
+          </a:solidFill>
+        </p:spPr>
+        <p:style>
+          <a:lnRef idx="2">
+            <a:schemeClr val="accent1">
+              <a:shade val="50000"/>
+            </a:schemeClr>
+          </a:lnRef>
+          <a:fillRef idx="1">
+            <a:schemeClr val="accent1"/>
+          </a:fillRef>
+          <a:effectRef idx="0">
+            <a:schemeClr val="accent1"/>
+          </a:effectRef>
+          <a:fontRef idx="minor">
+            <a:schemeClr val="lt1"/>
+          </a:fontRef>
+        </p:style>
+        <p:txBody>
+          <a:bodyPr rtlCol="0" anchor="ctr"/>
+          <a:lstStyle/>
+          <a:p>
+            <a:pPr algn="ctr"/>
+            <a:r>
+              <a:rPr lang="en-US" sz="1400" dirty="0">
+                <a:solidFill>
+                  <a:schemeClr val="tx1"/>
+                </a:solidFill>
+              </a:rPr>
+              <a:t>COD Pathway </a:t>
+            </a:r>
+            <a:r>
+              <a:rPr lang="en-US" sz="1050" dirty="0">
+                <a:solidFill>
+                  <a:schemeClr val="tx1"/>
+                </a:solidFill>
+              </a:rPr>
+              <a:t>(List</a:t>
+            </a:r>
+            <a:r>
+              <a:rPr lang="en-US" sz="1200" dirty="0">
+                <a:solidFill>
+                  <a:schemeClr val="tx1"/>
+                </a:solidFill>
+              </a:rPr>
+              <a:t>)</a:t>
+            </a:r>
+            <a:endParaRPr lang="en-US" dirty="0">
+              <a:solidFill>
+                <a:schemeClr val="tx1"/>
+              </a:solidFill>
+            </a:endParaRPr>
+          </a:p>
+        </p:txBody>
+      </p:sp>
+      <p:sp>
+        <p:nvSpPr>
+          <p:cNvPr id="43" name="Rectangle 42">
+            <a:extLst>
+              <a:ext uri="{FF2B5EF4-FFF2-40B4-BE49-F238E27FC236}">
+                <a16:creationId xmlns:a16="http://schemas.microsoft.com/office/drawing/2014/main" id="{85894151-95E6-4D49-BE99-31E5B0F7C738}"/>
+              </a:ext>
+            </a:extLst>
+          </p:cNvPr>
+          <p:cNvSpPr/>
+          <p:nvPr/>
+        </p:nvSpPr>
+        <p:spPr>
+          <a:xfrm>
+            <a:off x="5990488" y="2568635"/>
+            <a:ext cx="2145319" cy="250851"/>
+          </a:xfrm>
+          <a:prstGeom prst="rect">
+            <a:avLst/>
+          </a:prstGeom>
+          <a:solidFill>
+            <a:schemeClr val="accent4">
+              <a:lumMod val="60000"/>
+              <a:lumOff val="40000"/>
+            </a:schemeClr>
+          </a:solidFill>
+        </p:spPr>
+        <p:style>
+          <a:lnRef idx="2">
+            <a:schemeClr val="accent1">
+              <a:shade val="50000"/>
+            </a:schemeClr>
+          </a:lnRef>
+          <a:fillRef idx="1">
+            <a:schemeClr val="accent1"/>
+          </a:fillRef>
+          <a:effectRef idx="0">
+            <a:schemeClr val="accent1"/>
+          </a:effectRef>
+          <a:fontRef idx="minor">
+            <a:schemeClr val="lt1"/>
+          </a:fontRef>
+        </p:style>
+        <p:txBody>
+          <a:bodyPr rtlCol="0" anchor="ctr"/>
+          <a:lstStyle/>
+          <a:p>
+            <a:pPr algn="ctr"/>
+            <a:r>
+              <a:rPr lang="en-US" sz="1400" dirty="0">
+                <a:solidFill>
+                  <a:schemeClr val="tx1"/>
+                </a:solidFill>
+              </a:rPr>
+              <a:t>Certifier </a:t>
+            </a:r>
+            <a:r>
+              <a:rPr lang="en-US" sz="1050" dirty="0">
+                <a:solidFill>
+                  <a:schemeClr val="tx1"/>
+                </a:solidFill>
+              </a:rPr>
+              <a:t>(Practitioner</a:t>
+            </a:r>
+            <a:r>
+              <a:rPr lang="en-US" sz="1200" dirty="0">
+                <a:solidFill>
+                  <a:schemeClr val="tx1"/>
+                </a:solidFill>
+              </a:rPr>
+              <a:t>)</a:t>
+            </a:r>
+            <a:endParaRPr lang="en-US" dirty="0">
+              <a:solidFill>
+                <a:schemeClr val="tx1"/>
+              </a:solidFill>
+            </a:endParaRPr>
+          </a:p>
+        </p:txBody>
+      </p:sp>
+      <p:sp>
+        <p:nvSpPr>
+          <p:cNvPr id="44" name="Rectangle 43">
+            <a:extLst>
+              <a:ext uri="{FF2B5EF4-FFF2-40B4-BE49-F238E27FC236}">
+                <a16:creationId xmlns:a16="http://schemas.microsoft.com/office/drawing/2014/main" id="{DABF8BF1-ED56-1342-9306-D4E4E5A759A3}"/>
+              </a:ext>
+            </a:extLst>
+          </p:cNvPr>
+          <p:cNvSpPr/>
+          <p:nvPr/>
+        </p:nvSpPr>
+        <p:spPr>
+          <a:xfrm>
+            <a:off x="5990488" y="2873175"/>
+            <a:ext cx="2145319" cy="250851"/>
+          </a:xfrm>
+          <a:prstGeom prst="rect">
+            <a:avLst/>
+          </a:prstGeom>
+          <a:solidFill>
+            <a:schemeClr val="accent4">
+              <a:lumMod val="60000"/>
+              <a:lumOff val="40000"/>
+            </a:schemeClr>
+          </a:solidFill>
+        </p:spPr>
+        <p:style>
+          <a:lnRef idx="2">
+            <a:schemeClr val="accent1">
+              <a:shade val="50000"/>
+            </a:schemeClr>
+          </a:lnRef>
+          <a:fillRef idx="1">
+            <a:schemeClr val="accent1"/>
+          </a:fillRef>
+          <a:effectRef idx="0">
+            <a:schemeClr val="accent1"/>
+          </a:effectRef>
+          <a:fontRef idx="minor">
+            <a:schemeClr val="lt1"/>
+          </a:fontRef>
+        </p:style>
+        <p:txBody>
+          <a:bodyPr rtlCol="0" anchor="ctr"/>
+          <a:lstStyle/>
+          <a:p>
+            <a:pPr algn="ctr"/>
+            <a:r>
+              <a:rPr lang="en-US" sz="1400" dirty="0">
+                <a:solidFill>
+                  <a:schemeClr val="tx1"/>
+                </a:solidFill>
+              </a:rPr>
+              <a:t>Death Certif.  </a:t>
+            </a:r>
+            <a:r>
+              <a:rPr lang="en-US" sz="1050" dirty="0">
+                <a:solidFill>
+                  <a:schemeClr val="tx1"/>
+                </a:solidFill>
+              </a:rPr>
+              <a:t>(Procedure</a:t>
+            </a:r>
+            <a:r>
+              <a:rPr lang="en-US" sz="1200" dirty="0">
+                <a:solidFill>
+                  <a:schemeClr val="tx1"/>
+                </a:solidFill>
+              </a:rPr>
+              <a:t>)</a:t>
+            </a:r>
+            <a:endParaRPr lang="en-US" dirty="0">
+              <a:solidFill>
+                <a:schemeClr val="tx1"/>
+              </a:solidFill>
+            </a:endParaRPr>
+          </a:p>
+        </p:txBody>
+      </p:sp>
+      <p:sp>
+        <p:nvSpPr>
+          <p:cNvPr id="45" name="Rectangle 44">
+            <a:extLst>
+              <a:ext uri="{FF2B5EF4-FFF2-40B4-BE49-F238E27FC236}">
+                <a16:creationId xmlns:a16="http://schemas.microsoft.com/office/drawing/2014/main" id="{89F08F6C-E9A8-7049-81A7-5A9195B4319B}"/>
+              </a:ext>
+            </a:extLst>
+          </p:cNvPr>
+          <p:cNvSpPr/>
+          <p:nvPr/>
+        </p:nvSpPr>
+        <p:spPr>
+          <a:xfrm>
+            <a:off x="5990488" y="3177715"/>
+            <a:ext cx="2145319" cy="250851"/>
+          </a:xfrm>
+          <a:prstGeom prst="rect">
+            <a:avLst/>
+          </a:prstGeom>
+          <a:solidFill>
+            <a:schemeClr val="accent4">
+              <a:lumMod val="60000"/>
+              <a:lumOff val="40000"/>
+            </a:schemeClr>
+          </a:solidFill>
+        </p:spPr>
+        <p:style>
+          <a:lnRef idx="2">
+            <a:schemeClr val="accent1">
+              <a:shade val="50000"/>
+            </a:schemeClr>
+          </a:lnRef>
+          <a:fillRef idx="1">
+            <a:schemeClr val="accent1"/>
+          </a:fillRef>
+          <a:effectRef idx="0">
+            <a:schemeClr val="accent1"/>
+          </a:effectRef>
+          <a:fontRef idx="minor">
+            <a:schemeClr val="lt1"/>
+          </a:fontRef>
+        </p:style>
+        <p:txBody>
+          <a:bodyPr rtlCol="0" anchor="ctr"/>
+          <a:lstStyle/>
+          <a:p>
+            <a:pPr algn="ctr"/>
+            <a:r>
+              <a:rPr lang="en-US" sz="1400" dirty="0">
+                <a:solidFill>
+                  <a:schemeClr val="tx1"/>
+                </a:solidFill>
+              </a:rPr>
+              <a:t>Manner of Death</a:t>
+            </a:r>
+            <a:endParaRPr lang="en-US" dirty="0">
+              <a:solidFill>
+                <a:schemeClr val="tx1"/>
+              </a:solidFill>
+            </a:endParaRPr>
+          </a:p>
+        </p:txBody>
+      </p:sp>
+      <p:sp>
+        <p:nvSpPr>
+          <p:cNvPr id="46" name="Rectangle 45">
+            <a:extLst>
+              <a:ext uri="{FF2B5EF4-FFF2-40B4-BE49-F238E27FC236}">
+                <a16:creationId xmlns:a16="http://schemas.microsoft.com/office/drawing/2014/main" id="{94408B49-006D-8D47-B1BA-22EDC71F0521}"/>
+              </a:ext>
+            </a:extLst>
+          </p:cNvPr>
+          <p:cNvSpPr/>
+          <p:nvPr/>
+        </p:nvSpPr>
+        <p:spPr>
+          <a:xfrm>
+            <a:off x="5990488" y="3778609"/>
+            <a:ext cx="2145319" cy="250851"/>
+          </a:xfrm>
+          <a:prstGeom prst="rect">
+            <a:avLst/>
+          </a:prstGeom>
+          <a:solidFill>
+            <a:schemeClr val="accent3">
+              <a:lumMod val="40000"/>
+              <a:lumOff val="60000"/>
+            </a:schemeClr>
+          </a:solidFill>
+        </p:spPr>
+        <p:style>
+          <a:lnRef idx="2">
+            <a:schemeClr val="accent1">
+              <a:shade val="50000"/>
+            </a:schemeClr>
+          </a:lnRef>
+          <a:fillRef idx="1">
+            <a:schemeClr val="accent1"/>
+          </a:fillRef>
+          <a:effectRef idx="0">
+            <a:schemeClr val="accent1"/>
+          </a:effectRef>
+          <a:fontRef idx="minor">
+            <a:schemeClr val="lt1"/>
+          </a:fontRef>
+        </p:style>
+        <p:txBody>
+          <a:bodyPr rtlCol="0" anchor="ctr"/>
+          <a:lstStyle/>
+          <a:p>
+            <a:pPr algn="ctr"/>
+            <a:r>
+              <a:rPr lang="en-US" sz="1400" dirty="0">
+                <a:solidFill>
+                  <a:schemeClr val="tx1"/>
+                </a:solidFill>
+              </a:rPr>
+              <a:t>Disp. Method</a:t>
+            </a:r>
+            <a:endParaRPr lang="en-US" dirty="0">
+              <a:solidFill>
+                <a:schemeClr val="tx1"/>
+              </a:solidFill>
+            </a:endParaRPr>
+          </a:p>
+        </p:txBody>
+      </p:sp>
+      <p:sp>
+        <p:nvSpPr>
+          <p:cNvPr id="47" name="Rectangle 46">
+            <a:extLst>
+              <a:ext uri="{FF2B5EF4-FFF2-40B4-BE49-F238E27FC236}">
+                <a16:creationId xmlns:a16="http://schemas.microsoft.com/office/drawing/2014/main" id="{20B53140-748E-D443-BFEA-97511B60E969}"/>
+              </a:ext>
+            </a:extLst>
+          </p:cNvPr>
+          <p:cNvSpPr/>
+          <p:nvPr/>
+        </p:nvSpPr>
+        <p:spPr>
+          <a:xfrm>
+            <a:off x="5990488" y="4083149"/>
+            <a:ext cx="2145319" cy="250851"/>
+          </a:xfrm>
+          <a:prstGeom prst="rect">
+            <a:avLst/>
+          </a:prstGeom>
+          <a:solidFill>
+            <a:schemeClr val="accent3">
+              <a:lumMod val="40000"/>
+              <a:lumOff val="60000"/>
+            </a:schemeClr>
+          </a:solidFill>
+        </p:spPr>
+        <p:style>
+          <a:lnRef idx="2">
+            <a:schemeClr val="accent1">
+              <a:shade val="50000"/>
+            </a:schemeClr>
+          </a:lnRef>
+          <a:fillRef idx="1">
+            <a:schemeClr val="accent1"/>
+          </a:fillRef>
+          <a:effectRef idx="0">
+            <a:schemeClr val="accent1"/>
+          </a:effectRef>
+          <a:fontRef idx="minor">
+            <a:schemeClr val="lt1"/>
+          </a:fontRef>
+        </p:style>
+        <p:txBody>
+          <a:bodyPr rtlCol="0" anchor="ctr"/>
+          <a:lstStyle/>
+          <a:p>
+            <a:pPr algn="ctr"/>
+            <a:r>
+              <a:rPr lang="en-US" sz="1400" dirty="0" err="1">
+                <a:solidFill>
+                  <a:schemeClr val="tx1"/>
+                </a:solidFill>
+              </a:rPr>
+              <a:t>Disp</a:t>
+            </a:r>
+            <a:r>
+              <a:rPr lang="en-US" sz="1400" dirty="0">
+                <a:solidFill>
+                  <a:schemeClr val="tx1"/>
+                </a:solidFill>
+              </a:rPr>
+              <a:t> Location</a:t>
+            </a:r>
+            <a:r>
+              <a:rPr lang="en-US" sz="1050" dirty="0">
+                <a:solidFill>
+                  <a:schemeClr val="tx1"/>
+                </a:solidFill>
+              </a:rPr>
+              <a:t> (Location</a:t>
+            </a:r>
+            <a:r>
+              <a:rPr lang="en-US" sz="1200" dirty="0">
+                <a:solidFill>
+                  <a:schemeClr val="tx1"/>
+                </a:solidFill>
+              </a:rPr>
+              <a:t>)</a:t>
+            </a:r>
+            <a:endParaRPr lang="en-US" dirty="0">
+              <a:solidFill>
+                <a:schemeClr val="tx1"/>
+              </a:solidFill>
+            </a:endParaRPr>
+          </a:p>
+        </p:txBody>
+      </p:sp>
+      <p:sp>
+        <p:nvSpPr>
+          <p:cNvPr id="48" name="Rectangle 47">
+            <a:extLst>
+              <a:ext uri="{FF2B5EF4-FFF2-40B4-BE49-F238E27FC236}">
+                <a16:creationId xmlns:a16="http://schemas.microsoft.com/office/drawing/2014/main" id="{040204AC-51A1-7742-A467-C18B94E115AA}"/>
+              </a:ext>
+            </a:extLst>
+          </p:cNvPr>
+          <p:cNvSpPr/>
+          <p:nvPr/>
+        </p:nvSpPr>
+        <p:spPr>
+          <a:xfrm>
+            <a:off x="5990488" y="4387689"/>
+            <a:ext cx="2145319" cy="250851"/>
+          </a:xfrm>
+          <a:prstGeom prst="rect">
+            <a:avLst/>
+          </a:prstGeom>
+          <a:solidFill>
+            <a:schemeClr val="accent3">
+              <a:lumMod val="40000"/>
+              <a:lumOff val="60000"/>
+            </a:schemeClr>
+          </a:solidFill>
+        </p:spPr>
+        <p:style>
+          <a:lnRef idx="2">
+            <a:schemeClr val="accent1">
+              <a:shade val="50000"/>
+            </a:schemeClr>
+          </a:lnRef>
+          <a:fillRef idx="1">
+            <a:schemeClr val="accent1"/>
+          </a:fillRef>
+          <a:effectRef idx="0">
+            <a:schemeClr val="accent1"/>
+          </a:effectRef>
+          <a:fontRef idx="minor">
+            <a:schemeClr val="lt1"/>
+          </a:fontRef>
+        </p:style>
+        <p:txBody>
+          <a:bodyPr rtlCol="0" anchor="ctr"/>
+          <a:lstStyle/>
+          <a:p>
+            <a:pPr algn="ctr"/>
+            <a:r>
+              <a:rPr lang="en-US" sz="1400" dirty="0">
+                <a:solidFill>
+                  <a:schemeClr val="tx1"/>
+                </a:solidFill>
+              </a:rPr>
+              <a:t>Funeral Home </a:t>
+            </a:r>
+            <a:r>
+              <a:rPr lang="en-US" sz="1050" dirty="0">
+                <a:solidFill>
+                  <a:schemeClr val="tx1"/>
+                </a:solidFill>
+              </a:rPr>
+              <a:t>(Organization</a:t>
+            </a:r>
+            <a:r>
+              <a:rPr lang="en-US" sz="1200" dirty="0">
+                <a:solidFill>
+                  <a:schemeClr val="tx1"/>
+                </a:solidFill>
+              </a:rPr>
+              <a:t>)</a:t>
+            </a:r>
+            <a:endParaRPr lang="en-US" dirty="0">
+              <a:solidFill>
+                <a:schemeClr val="tx1"/>
+              </a:solidFill>
+            </a:endParaRPr>
+          </a:p>
+        </p:txBody>
+      </p:sp>
+      <p:sp>
+        <p:nvSpPr>
+          <p:cNvPr id="50" name="TextBox 49">
+            <a:extLst>
+              <a:ext uri="{FF2B5EF4-FFF2-40B4-BE49-F238E27FC236}">
+                <a16:creationId xmlns:a16="http://schemas.microsoft.com/office/drawing/2014/main" id="{408A3300-B516-2140-815E-E014E88B15D0}"/>
+              </a:ext>
+            </a:extLst>
+          </p:cNvPr>
+          <p:cNvSpPr txBox="1"/>
+          <p:nvPr/>
+        </p:nvSpPr>
+        <p:spPr>
+          <a:xfrm>
+            <a:off x="1169184" y="1075008"/>
+            <a:ext cx="1587294" cy="261610"/>
+          </a:xfrm>
+          <a:prstGeom prst="rect">
+            <a:avLst/>
+          </a:prstGeom>
+          <a:noFill/>
+        </p:spPr>
+        <p:txBody>
+          <a:bodyPr wrap="none" rtlCol="0">
+            <a:spAutoFit/>
+          </a:bodyPr>
+          <a:lstStyle/>
+          <a:p>
+            <a:r>
+              <a:rPr lang="en-US" sz="1100" dirty="0">
+                <a:solidFill>
+                  <a:srgbClr val="FFFF00"/>
+                </a:solidFill>
+                <a:latin typeface="Calibri" panose="020F0502020204030204" pitchFamily="34" charset="0"/>
+              </a:rPr>
+              <a:t>Decedent Demographics</a:t>
+            </a:r>
+          </a:p>
+        </p:txBody>
+      </p:sp>
+      <p:sp>
+        <p:nvSpPr>
+          <p:cNvPr id="51" name="TextBox 50">
+            <a:extLst>
+              <a:ext uri="{FF2B5EF4-FFF2-40B4-BE49-F238E27FC236}">
+                <a16:creationId xmlns:a16="http://schemas.microsoft.com/office/drawing/2014/main" id="{61AE9A6D-A037-234A-93A0-08ABF7A2FA87}"/>
+              </a:ext>
+            </a:extLst>
+          </p:cNvPr>
+          <p:cNvSpPr txBox="1"/>
+          <p:nvPr/>
+        </p:nvSpPr>
+        <p:spPr>
+          <a:xfrm>
+            <a:off x="3806184" y="1346610"/>
+            <a:ext cx="1297150" cy="261610"/>
+          </a:xfrm>
+          <a:prstGeom prst="rect">
+            <a:avLst/>
+          </a:prstGeom>
+          <a:noFill/>
+        </p:spPr>
+        <p:txBody>
+          <a:bodyPr wrap="none" rtlCol="0">
+            <a:spAutoFit/>
+          </a:bodyPr>
+          <a:lstStyle/>
+          <a:p>
+            <a:r>
+              <a:rPr lang="en-US" sz="1100" dirty="0">
+                <a:solidFill>
+                  <a:srgbClr val="FFFF00"/>
+                </a:solidFill>
+                <a:latin typeface="Calibri" panose="020F0502020204030204" pitchFamily="34" charset="0"/>
+              </a:rPr>
+              <a:t>Death Investigation</a:t>
+            </a:r>
+          </a:p>
+        </p:txBody>
+      </p:sp>
+      <p:sp>
+        <p:nvSpPr>
+          <p:cNvPr id="52" name="TextBox 51">
+            <a:extLst>
+              <a:ext uri="{FF2B5EF4-FFF2-40B4-BE49-F238E27FC236}">
+                <a16:creationId xmlns:a16="http://schemas.microsoft.com/office/drawing/2014/main" id="{823DEC73-6E49-574F-9166-EA7AB0C35D6F}"/>
+              </a:ext>
+            </a:extLst>
+          </p:cNvPr>
+          <p:cNvSpPr txBox="1"/>
+          <p:nvPr/>
+        </p:nvSpPr>
+        <p:spPr>
+          <a:xfrm>
+            <a:off x="6422956" y="1324633"/>
+            <a:ext cx="1263487" cy="261610"/>
+          </a:xfrm>
+          <a:prstGeom prst="rect">
+            <a:avLst/>
+          </a:prstGeom>
+          <a:noFill/>
+        </p:spPr>
+        <p:txBody>
+          <a:bodyPr wrap="none" rtlCol="0">
+            <a:spAutoFit/>
+          </a:bodyPr>
+          <a:lstStyle/>
+          <a:p>
+            <a:r>
+              <a:rPr lang="en-US" sz="1100" dirty="0">
+                <a:solidFill>
+                  <a:srgbClr val="FFFF00"/>
+                </a:solidFill>
+                <a:latin typeface="Calibri" panose="020F0502020204030204" pitchFamily="34" charset="0"/>
+              </a:rPr>
+              <a:t>Death Certification</a:t>
+            </a:r>
+          </a:p>
+        </p:txBody>
+      </p:sp>
+      <p:sp>
+        <p:nvSpPr>
+          <p:cNvPr id="53" name="TextBox 52">
+            <a:extLst>
+              <a:ext uri="{FF2B5EF4-FFF2-40B4-BE49-F238E27FC236}">
+                <a16:creationId xmlns:a16="http://schemas.microsoft.com/office/drawing/2014/main" id="{FB786294-79BF-044E-89C1-C82BDDF4CB71}"/>
+              </a:ext>
+            </a:extLst>
+          </p:cNvPr>
+          <p:cNvSpPr txBox="1"/>
+          <p:nvPr/>
+        </p:nvSpPr>
+        <p:spPr>
+          <a:xfrm>
+            <a:off x="6431403" y="3523168"/>
+            <a:ext cx="1401346" cy="261610"/>
+          </a:xfrm>
+          <a:prstGeom prst="rect">
+            <a:avLst/>
+          </a:prstGeom>
+          <a:noFill/>
+        </p:spPr>
+        <p:txBody>
+          <a:bodyPr wrap="none" rtlCol="0">
+            <a:spAutoFit/>
+          </a:bodyPr>
+          <a:lstStyle/>
+          <a:p>
+            <a:r>
+              <a:rPr lang="en-US" sz="1100" dirty="0">
+                <a:solidFill>
+                  <a:srgbClr val="FFFF00"/>
+                </a:solidFill>
+                <a:latin typeface="Calibri" panose="020F0502020204030204" pitchFamily="34" charset="0"/>
+              </a:rPr>
+              <a:t>Decedent Disposition</a:t>
+            </a:r>
+          </a:p>
+        </p:txBody>
+      </p:sp>
+      <p:sp>
+        <p:nvSpPr>
+          <p:cNvPr id="54" name="Round Diagonal Corner Rectangle 53">
+            <a:extLst>
+              <a:ext uri="{FF2B5EF4-FFF2-40B4-BE49-F238E27FC236}">
+                <a16:creationId xmlns:a16="http://schemas.microsoft.com/office/drawing/2014/main" id="{357D3FFB-4F54-E246-8509-577AD38EAB8A}"/>
+              </a:ext>
+            </a:extLst>
+          </p:cNvPr>
+          <p:cNvSpPr/>
+          <p:nvPr/>
+        </p:nvSpPr>
+        <p:spPr>
+          <a:xfrm>
+            <a:off x="937037" y="1956894"/>
+            <a:ext cx="2136935" cy="253512"/>
+          </a:xfrm>
+          <a:prstGeom prst="round2DiagRect">
+            <a:avLst/>
+          </a:prstGeom>
+          <a:solidFill>
+            <a:srgbClr val="FBD5AB"/>
+          </a:solidFill>
+        </p:spPr>
+        <p:style>
+          <a:lnRef idx="2">
+            <a:schemeClr val="accent1">
+              <a:shade val="50000"/>
+            </a:schemeClr>
+          </a:lnRef>
+          <a:fillRef idx="1">
+            <a:schemeClr val="accent1"/>
+          </a:fillRef>
+          <a:effectRef idx="0">
+            <a:schemeClr val="accent1"/>
+          </a:effectRef>
+          <a:fontRef idx="minor">
+            <a:schemeClr val="lt1"/>
+          </a:fontRef>
+        </p:style>
+        <p:txBody>
+          <a:bodyPr rtlCol="0" anchor="ctr"/>
+          <a:lstStyle/>
+          <a:p>
+            <a:pPr algn="ctr"/>
+            <a:r>
+              <a:rPr lang="en-US" sz="1400" dirty="0">
+                <a:solidFill>
+                  <a:schemeClr val="tx1"/>
+                </a:solidFill>
+              </a:rPr>
+              <a:t>Mother</a:t>
+            </a:r>
+            <a:r>
+              <a:rPr lang="en-US" dirty="0">
+                <a:solidFill>
+                  <a:schemeClr val="tx1"/>
+                </a:solidFill>
+              </a:rPr>
+              <a:t> </a:t>
+            </a:r>
+            <a:r>
+              <a:rPr lang="en-US" sz="1100" dirty="0">
+                <a:solidFill>
+                  <a:schemeClr val="tx1"/>
+                </a:solidFill>
+              </a:rPr>
+              <a:t>(Related Person)</a:t>
+            </a:r>
+            <a:endParaRPr lang="en-US" dirty="0">
+              <a:solidFill>
+                <a:schemeClr val="tx1"/>
+              </a:solidFill>
+            </a:endParaRPr>
+          </a:p>
+        </p:txBody>
+      </p:sp>
+      <p:sp>
+        <p:nvSpPr>
+          <p:cNvPr id="55" name="TextBox 54">
+            <a:extLst>
+              <a:ext uri="{FF2B5EF4-FFF2-40B4-BE49-F238E27FC236}">
+                <a16:creationId xmlns:a16="http://schemas.microsoft.com/office/drawing/2014/main" id="{09AF41A5-02EC-CC4B-8AD9-10AE8526BC19}"/>
+              </a:ext>
+            </a:extLst>
+          </p:cNvPr>
+          <p:cNvSpPr txBox="1"/>
+          <p:nvPr/>
+        </p:nvSpPr>
+        <p:spPr>
+          <a:xfrm>
+            <a:off x="5581653" y="4762393"/>
+            <a:ext cx="3363934" cy="307777"/>
+          </a:xfrm>
+          <a:prstGeom prst="rect">
+            <a:avLst/>
+          </a:prstGeom>
+          <a:noFill/>
+        </p:spPr>
+        <p:txBody>
+          <a:bodyPr wrap="none" rtlCol="0">
+            <a:spAutoFit/>
+          </a:bodyPr>
+          <a:lstStyle/>
+          <a:p>
+            <a:r>
+              <a:rPr lang="en-US" sz="1400" dirty="0">
+                <a:solidFill>
+                  <a:srgbClr val="000000"/>
+                </a:solidFill>
+                <a:latin typeface="Calibri" panose="020F0502020204030204" pitchFamily="34" charset="0"/>
+              </a:rPr>
+              <a:t>* All profiles are observations, unless noted</a:t>
+            </a:r>
+          </a:p>
+        </p:txBody>
+      </p:sp>
+      <p:pic>
+        <p:nvPicPr>
+          <p:cNvPr id="7" name="Graphic 6" descr="Close with solid fill">
+            <a:extLst>
+              <a:ext uri="{FF2B5EF4-FFF2-40B4-BE49-F238E27FC236}">
+                <a16:creationId xmlns:a16="http://schemas.microsoft.com/office/drawing/2014/main" id="{604F966D-C4B9-3B79-FCE6-D1E6160B97D7}"/>
+              </a:ext>
+            </a:extLst>
+          </p:cNvPr>
+          <p:cNvPicPr>
+            <a:picLocks noChangeAspect="1"/>
+          </p:cNvPicPr>
+          <p:nvPr/>
+        </p:nvPicPr>
+        <p:blipFill>
+          <a:blip r:embed="rId2">
+            <a:extLst>
+              <a:ext uri="{28A0092B-C50C-407E-A947-70E740481C1C}">
+                <a14:useLocalDpi xmlns:a14="http://schemas.microsoft.com/office/drawing/2010/main" val="0"/>
+              </a:ext>
+              <a:ext uri="{96DAC541-7B7A-43D3-8B79-37D633B846F1}">
+                <asvg:svgBlip xmlns:asvg="http://schemas.microsoft.com/office/drawing/2016/SVG/main" r:embed="rId3"/>
+              </a:ext>
+            </a:extLst>
+          </a:blip>
+          <a:stretch>
+            <a:fillRect/>
+          </a:stretch>
+        </p:blipFill>
+        <p:spPr>
+          <a:xfrm>
+            <a:off x="5772239" y="1064724"/>
+            <a:ext cx="250851" cy="250851"/>
+          </a:xfrm>
+          <a:prstGeom prst="rect">
+            <a:avLst/>
+          </a:prstGeom>
+        </p:spPr>
+      </p:pic>
+      <p:pic>
+        <p:nvPicPr>
+          <p:cNvPr id="8" name="Graphic 7" descr="Close with solid fill">
+            <a:extLst>
+              <a:ext uri="{FF2B5EF4-FFF2-40B4-BE49-F238E27FC236}">
+                <a16:creationId xmlns:a16="http://schemas.microsoft.com/office/drawing/2014/main" id="{D8FE7BBD-6C66-5C5F-37DF-AF29192E51D3}"/>
+              </a:ext>
+            </a:extLst>
+          </p:cNvPr>
+          <p:cNvPicPr>
+            <a:picLocks noChangeAspect="1"/>
+          </p:cNvPicPr>
+          <p:nvPr/>
+        </p:nvPicPr>
+        <p:blipFill>
+          <a:blip r:embed="rId2">
+            <a:extLst>
+              <a:ext uri="{28A0092B-C50C-407E-A947-70E740481C1C}">
+                <a14:useLocalDpi xmlns:a14="http://schemas.microsoft.com/office/drawing/2010/main" val="0"/>
+              </a:ext>
+              <a:ext uri="{96DAC541-7B7A-43D3-8B79-37D633B846F1}">
+                <asvg:svgBlip xmlns:asvg="http://schemas.microsoft.com/office/drawing/2016/SVG/main" r:embed="rId3"/>
+              </a:ext>
+            </a:extLst>
+          </a:blip>
+          <a:stretch>
+            <a:fillRect/>
+          </a:stretch>
+        </p:blipFill>
+        <p:spPr>
+          <a:xfrm>
+            <a:off x="882767" y="1659906"/>
+            <a:ext cx="250851" cy="250851"/>
+          </a:xfrm>
+          <a:prstGeom prst="rect">
+            <a:avLst/>
+          </a:prstGeom>
+        </p:spPr>
+      </p:pic>
+      <p:pic>
+        <p:nvPicPr>
+          <p:cNvPr id="9" name="Graphic 8" descr="Close with solid fill">
+            <a:extLst>
+              <a:ext uri="{FF2B5EF4-FFF2-40B4-BE49-F238E27FC236}">
+                <a16:creationId xmlns:a16="http://schemas.microsoft.com/office/drawing/2014/main" id="{668608D6-D902-F5A5-D31E-7749E521BADA}"/>
+              </a:ext>
+            </a:extLst>
+          </p:cNvPr>
+          <p:cNvPicPr>
+            <a:picLocks noChangeAspect="1"/>
+          </p:cNvPicPr>
+          <p:nvPr/>
+        </p:nvPicPr>
+        <p:blipFill>
+          <a:blip r:embed="rId2">
+            <a:extLst>
+              <a:ext uri="{28A0092B-C50C-407E-A947-70E740481C1C}">
+                <a14:useLocalDpi xmlns:a14="http://schemas.microsoft.com/office/drawing/2010/main" val="0"/>
+              </a:ext>
+              <a:ext uri="{96DAC541-7B7A-43D3-8B79-37D633B846F1}">
+                <asvg:svgBlip xmlns:asvg="http://schemas.microsoft.com/office/drawing/2016/SVG/main" r:embed="rId3"/>
+              </a:ext>
+            </a:extLst>
+          </a:blip>
+          <a:stretch>
+            <a:fillRect/>
+          </a:stretch>
+        </p:blipFill>
+        <p:spPr>
+          <a:xfrm>
+            <a:off x="898226" y="3185843"/>
+            <a:ext cx="250851" cy="250851"/>
+          </a:xfrm>
+          <a:prstGeom prst="rect">
+            <a:avLst/>
+          </a:prstGeom>
+        </p:spPr>
+      </p:pic>
+      <p:pic>
+        <p:nvPicPr>
+          <p:cNvPr id="11" name="Graphic 10" descr="Close with solid fill">
+            <a:extLst>
+              <a:ext uri="{FF2B5EF4-FFF2-40B4-BE49-F238E27FC236}">
+                <a16:creationId xmlns:a16="http://schemas.microsoft.com/office/drawing/2014/main" id="{CFAE2DC1-4064-A88C-CDD4-B4EE62F91995}"/>
+              </a:ext>
+            </a:extLst>
+          </p:cNvPr>
+          <p:cNvPicPr>
+            <a:picLocks noChangeAspect="1"/>
+          </p:cNvPicPr>
+          <p:nvPr/>
+        </p:nvPicPr>
+        <p:blipFill>
+          <a:blip r:embed="rId2">
+            <a:extLst>
+              <a:ext uri="{28A0092B-C50C-407E-A947-70E740481C1C}">
+                <a14:useLocalDpi xmlns:a14="http://schemas.microsoft.com/office/drawing/2010/main" val="0"/>
+              </a:ext>
+              <a:ext uri="{96DAC541-7B7A-43D3-8B79-37D633B846F1}">
+                <asvg:svgBlip xmlns:asvg="http://schemas.microsoft.com/office/drawing/2016/SVG/main" r:embed="rId3"/>
+              </a:ext>
+            </a:extLst>
+          </a:blip>
+          <a:stretch>
+            <a:fillRect/>
+          </a:stretch>
+        </p:blipFill>
+        <p:spPr>
+          <a:xfrm>
+            <a:off x="906050" y="3498728"/>
+            <a:ext cx="250851" cy="250851"/>
+          </a:xfrm>
+          <a:prstGeom prst="rect">
+            <a:avLst/>
+          </a:prstGeom>
+        </p:spPr>
+      </p:pic>
+      <p:pic>
+        <p:nvPicPr>
+          <p:cNvPr id="12" name="Graphic 11" descr="Close with solid fill">
+            <a:extLst>
+              <a:ext uri="{FF2B5EF4-FFF2-40B4-BE49-F238E27FC236}">
+                <a16:creationId xmlns:a16="http://schemas.microsoft.com/office/drawing/2014/main" id="{3F84E198-4579-9032-7CA2-048085DD1CA4}"/>
+              </a:ext>
+            </a:extLst>
+          </p:cNvPr>
+          <p:cNvPicPr>
+            <a:picLocks noChangeAspect="1"/>
+          </p:cNvPicPr>
+          <p:nvPr/>
+        </p:nvPicPr>
+        <p:blipFill>
+          <a:blip r:embed="rId2">
+            <a:extLst>
+              <a:ext uri="{28A0092B-C50C-407E-A947-70E740481C1C}">
+                <a14:useLocalDpi xmlns:a14="http://schemas.microsoft.com/office/drawing/2010/main" val="0"/>
+              </a:ext>
+              <a:ext uri="{96DAC541-7B7A-43D3-8B79-37D633B846F1}">
+                <asvg:svgBlip xmlns:asvg="http://schemas.microsoft.com/office/drawing/2016/SVG/main" r:embed="rId3"/>
+              </a:ext>
+            </a:extLst>
+          </a:blip>
+          <a:stretch>
+            <a:fillRect/>
+          </a:stretch>
+        </p:blipFill>
+        <p:spPr>
+          <a:xfrm>
+            <a:off x="928653" y="3807898"/>
+            <a:ext cx="250851" cy="250851"/>
+          </a:xfrm>
+          <a:prstGeom prst="rect">
+            <a:avLst/>
+          </a:prstGeom>
+        </p:spPr>
+      </p:pic>
+      <p:pic>
+        <p:nvPicPr>
+          <p:cNvPr id="13" name="Graphic 12" descr="Close with solid fill">
+            <a:extLst>
+              <a:ext uri="{FF2B5EF4-FFF2-40B4-BE49-F238E27FC236}">
+                <a16:creationId xmlns:a16="http://schemas.microsoft.com/office/drawing/2014/main" id="{1504A0A1-C83F-5E3E-F439-59A66E196AF9}"/>
+              </a:ext>
+            </a:extLst>
+          </p:cNvPr>
+          <p:cNvPicPr>
+            <a:picLocks noChangeAspect="1"/>
+          </p:cNvPicPr>
+          <p:nvPr/>
+        </p:nvPicPr>
+        <p:blipFill>
+          <a:blip r:embed="rId2">
+            <a:extLst>
+              <a:ext uri="{28A0092B-C50C-407E-A947-70E740481C1C}">
+                <a14:useLocalDpi xmlns:a14="http://schemas.microsoft.com/office/drawing/2010/main" val="0"/>
+              </a:ext>
+              <a:ext uri="{96DAC541-7B7A-43D3-8B79-37D633B846F1}">
+                <asvg:svgBlip xmlns:asvg="http://schemas.microsoft.com/office/drawing/2016/SVG/main" r:embed="rId3"/>
+              </a:ext>
+            </a:extLst>
+          </a:blip>
+          <a:stretch>
+            <a:fillRect/>
+          </a:stretch>
+        </p:blipFill>
+        <p:spPr>
+          <a:xfrm>
+            <a:off x="935234" y="4094701"/>
+            <a:ext cx="250851" cy="250851"/>
+          </a:xfrm>
+          <a:prstGeom prst="rect">
+            <a:avLst/>
+          </a:prstGeom>
+        </p:spPr>
+      </p:pic>
+      <p:pic>
+        <p:nvPicPr>
+          <p:cNvPr id="14" name="Graphic 13" descr="Close with solid fill">
+            <a:extLst>
+              <a:ext uri="{FF2B5EF4-FFF2-40B4-BE49-F238E27FC236}">
+                <a16:creationId xmlns:a16="http://schemas.microsoft.com/office/drawing/2014/main" id="{21E22693-0FCC-D339-997E-48127870F178}"/>
+              </a:ext>
+            </a:extLst>
+          </p:cNvPr>
+          <p:cNvPicPr>
+            <a:picLocks noChangeAspect="1"/>
+          </p:cNvPicPr>
+          <p:nvPr/>
+        </p:nvPicPr>
+        <p:blipFill>
+          <a:blip r:embed="rId2">
+            <a:extLst>
+              <a:ext uri="{28A0092B-C50C-407E-A947-70E740481C1C}">
+                <a14:useLocalDpi xmlns:a14="http://schemas.microsoft.com/office/drawing/2010/main" val="0"/>
+              </a:ext>
+              <a:ext uri="{96DAC541-7B7A-43D3-8B79-37D633B846F1}">
+                <asvg:svgBlip xmlns:asvg="http://schemas.microsoft.com/office/drawing/2016/SVG/main" r:embed="rId3"/>
+              </a:ext>
+            </a:extLst>
+          </a:blip>
+          <a:stretch>
+            <a:fillRect/>
+          </a:stretch>
+        </p:blipFill>
+        <p:spPr>
+          <a:xfrm>
+            <a:off x="3347535" y="2879788"/>
+            <a:ext cx="250851" cy="250851"/>
+          </a:xfrm>
+          <a:prstGeom prst="rect">
+            <a:avLst/>
+          </a:prstGeom>
+        </p:spPr>
+      </p:pic>
+      <p:pic>
+        <p:nvPicPr>
+          <p:cNvPr id="15" name="Graphic 14" descr="Close with solid fill">
+            <a:extLst>
+              <a:ext uri="{FF2B5EF4-FFF2-40B4-BE49-F238E27FC236}">
+                <a16:creationId xmlns:a16="http://schemas.microsoft.com/office/drawing/2014/main" id="{B4F8CF4B-CDA9-8DA1-3349-B0BE938105D1}"/>
+              </a:ext>
+            </a:extLst>
+          </p:cNvPr>
+          <p:cNvPicPr>
+            <a:picLocks noChangeAspect="1"/>
+          </p:cNvPicPr>
+          <p:nvPr/>
+        </p:nvPicPr>
+        <p:blipFill>
+          <a:blip r:embed="rId2">
+            <a:extLst>
+              <a:ext uri="{28A0092B-C50C-407E-A947-70E740481C1C}">
+                <a14:useLocalDpi xmlns:a14="http://schemas.microsoft.com/office/drawing/2010/main" val="0"/>
+              </a:ext>
+              <a:ext uri="{96DAC541-7B7A-43D3-8B79-37D633B846F1}">
+                <asvg:svgBlip xmlns:asvg="http://schemas.microsoft.com/office/drawing/2016/SVG/main" r:embed="rId3"/>
+              </a:ext>
+            </a:extLst>
+          </a:blip>
+          <a:stretch>
+            <a:fillRect/>
+          </a:stretch>
+        </p:blipFill>
+        <p:spPr>
+          <a:xfrm>
+            <a:off x="5985640" y="2551726"/>
+            <a:ext cx="250851" cy="250851"/>
+          </a:xfrm>
+          <a:prstGeom prst="rect">
+            <a:avLst/>
+          </a:prstGeom>
+        </p:spPr>
+      </p:pic>
+      <p:pic>
+        <p:nvPicPr>
+          <p:cNvPr id="16" name="Graphic 15" descr="Close with solid fill">
+            <a:extLst>
+              <a:ext uri="{FF2B5EF4-FFF2-40B4-BE49-F238E27FC236}">
+                <a16:creationId xmlns:a16="http://schemas.microsoft.com/office/drawing/2014/main" id="{AA62A85C-FCD5-DC4F-CCEB-B965AE88E1FC}"/>
+              </a:ext>
+            </a:extLst>
+          </p:cNvPr>
+          <p:cNvPicPr>
+            <a:picLocks noChangeAspect="1"/>
+          </p:cNvPicPr>
+          <p:nvPr/>
+        </p:nvPicPr>
+        <p:blipFill>
+          <a:blip r:embed="rId2">
+            <a:extLst>
+              <a:ext uri="{28A0092B-C50C-407E-A947-70E740481C1C}">
+                <a14:useLocalDpi xmlns:a14="http://schemas.microsoft.com/office/drawing/2010/main" val="0"/>
+              </a:ext>
+              <a:ext uri="{96DAC541-7B7A-43D3-8B79-37D633B846F1}">
+                <asvg:svgBlip xmlns:asvg="http://schemas.microsoft.com/office/drawing/2016/SVG/main" r:embed="rId3"/>
+              </a:ext>
+            </a:extLst>
+          </a:blip>
+          <a:stretch>
+            <a:fillRect/>
+          </a:stretch>
+        </p:blipFill>
+        <p:spPr>
+          <a:xfrm>
+            <a:off x="5985640" y="2879787"/>
+            <a:ext cx="250851" cy="250851"/>
+          </a:xfrm>
+          <a:prstGeom prst="rect">
+            <a:avLst/>
+          </a:prstGeom>
+        </p:spPr>
+      </p:pic>
+      <p:pic>
+        <p:nvPicPr>
+          <p:cNvPr id="17" name="Graphic 16" descr="Close with solid fill">
+            <a:extLst>
+              <a:ext uri="{FF2B5EF4-FFF2-40B4-BE49-F238E27FC236}">
+                <a16:creationId xmlns:a16="http://schemas.microsoft.com/office/drawing/2014/main" id="{6ED60910-9F49-60F7-C081-7A7ACDAFF432}"/>
+              </a:ext>
+            </a:extLst>
+          </p:cNvPr>
+          <p:cNvPicPr>
+            <a:picLocks noChangeAspect="1"/>
+          </p:cNvPicPr>
+          <p:nvPr/>
+        </p:nvPicPr>
+        <p:blipFill>
+          <a:blip r:embed="rId2">
+            <a:extLst>
+              <a:ext uri="{28A0092B-C50C-407E-A947-70E740481C1C}">
+                <a14:useLocalDpi xmlns:a14="http://schemas.microsoft.com/office/drawing/2010/main" val="0"/>
+              </a:ext>
+              <a:ext uri="{96DAC541-7B7A-43D3-8B79-37D633B846F1}">
+                <asvg:svgBlip xmlns:asvg="http://schemas.microsoft.com/office/drawing/2016/SVG/main" r:embed="rId3"/>
+              </a:ext>
+            </a:extLst>
+          </a:blip>
+          <a:stretch>
+            <a:fillRect/>
+          </a:stretch>
+        </p:blipFill>
+        <p:spPr>
+          <a:xfrm>
+            <a:off x="5998872" y="3781985"/>
+            <a:ext cx="250851" cy="250851"/>
+          </a:xfrm>
+          <a:prstGeom prst="rect">
+            <a:avLst/>
+          </a:prstGeom>
+        </p:spPr>
+      </p:pic>
+      <p:pic>
+        <p:nvPicPr>
+          <p:cNvPr id="18" name="Graphic 17" descr="Close with solid fill">
+            <a:extLst>
+              <a:ext uri="{FF2B5EF4-FFF2-40B4-BE49-F238E27FC236}">
+                <a16:creationId xmlns:a16="http://schemas.microsoft.com/office/drawing/2014/main" id="{93694031-635A-904F-BC78-8D185D77DB95}"/>
+              </a:ext>
+            </a:extLst>
+          </p:cNvPr>
+          <p:cNvPicPr>
+            <a:picLocks noChangeAspect="1"/>
+          </p:cNvPicPr>
+          <p:nvPr/>
+        </p:nvPicPr>
+        <p:blipFill>
+          <a:blip r:embed="rId2">
+            <a:extLst>
+              <a:ext uri="{28A0092B-C50C-407E-A947-70E740481C1C}">
+                <a14:useLocalDpi xmlns:a14="http://schemas.microsoft.com/office/drawing/2010/main" val="0"/>
+              </a:ext>
+              <a:ext uri="{96DAC541-7B7A-43D3-8B79-37D633B846F1}">
+                <asvg:svgBlip xmlns:asvg="http://schemas.microsoft.com/office/drawing/2016/SVG/main" r:embed="rId3"/>
+              </a:ext>
+            </a:extLst>
+          </a:blip>
+          <a:stretch>
+            <a:fillRect/>
+          </a:stretch>
+        </p:blipFill>
+        <p:spPr>
+          <a:xfrm>
+            <a:off x="5998871" y="4083499"/>
+            <a:ext cx="250851" cy="250851"/>
+          </a:xfrm>
+          <a:prstGeom prst="rect">
+            <a:avLst/>
+          </a:prstGeom>
+        </p:spPr>
+      </p:pic>
+      <p:pic>
+        <p:nvPicPr>
+          <p:cNvPr id="20" name="Graphic 19" descr="Close with solid fill">
+            <a:extLst>
+              <a:ext uri="{FF2B5EF4-FFF2-40B4-BE49-F238E27FC236}">
+                <a16:creationId xmlns:a16="http://schemas.microsoft.com/office/drawing/2014/main" id="{9945EFE1-D089-19EA-1E22-76BACD671B86}"/>
+              </a:ext>
+            </a:extLst>
+          </p:cNvPr>
+          <p:cNvPicPr>
+            <a:picLocks noChangeAspect="1"/>
+          </p:cNvPicPr>
+          <p:nvPr/>
+        </p:nvPicPr>
+        <p:blipFill>
+          <a:blip r:embed="rId2">
+            <a:extLst>
+              <a:ext uri="{28A0092B-C50C-407E-A947-70E740481C1C}">
+                <a14:useLocalDpi xmlns:a14="http://schemas.microsoft.com/office/drawing/2010/main" val="0"/>
+              </a:ext>
+              <a:ext uri="{96DAC541-7B7A-43D3-8B79-37D633B846F1}">
+                <asvg:svgBlip xmlns:asvg="http://schemas.microsoft.com/office/drawing/2016/SVG/main" r:embed="rId3"/>
+              </a:ext>
+            </a:extLst>
+          </a:blip>
+          <a:stretch>
+            <a:fillRect/>
+          </a:stretch>
+        </p:blipFill>
+        <p:spPr>
+          <a:xfrm>
+            <a:off x="5998870" y="4374040"/>
+            <a:ext cx="250851" cy="250851"/>
+          </a:xfrm>
+          <a:prstGeom prst="rect">
+            <a:avLst/>
+          </a:prstGeom>
+        </p:spPr>
+      </p:pic>
+      <p:pic>
+        <p:nvPicPr>
+          <p:cNvPr id="49" name="Graphic 48" descr="Question Mark with solid fill">
+            <a:extLst>
+              <a:ext uri="{FF2B5EF4-FFF2-40B4-BE49-F238E27FC236}">
+                <a16:creationId xmlns:a16="http://schemas.microsoft.com/office/drawing/2014/main" id="{3DC8D790-49A0-A535-381A-93A980BF7C58}"/>
+              </a:ext>
+            </a:extLst>
+          </p:cNvPr>
+          <p:cNvPicPr>
+            <a:picLocks noChangeAspect="1"/>
+          </p:cNvPicPr>
+          <p:nvPr/>
+        </p:nvPicPr>
+        <p:blipFill>
+          <a:blip r:embed="rId4">
+            <a:extLst>
+              <a:ext uri="{28A0092B-C50C-407E-A947-70E740481C1C}">
+                <a14:useLocalDpi xmlns:a14="http://schemas.microsoft.com/office/drawing/2010/main" val="0"/>
+              </a:ext>
+              <a:ext uri="{96DAC541-7B7A-43D3-8B79-37D633B846F1}">
+                <asvg:svgBlip xmlns:asvg="http://schemas.microsoft.com/office/drawing/2016/SVG/main" r:embed="rId5"/>
+              </a:ext>
+            </a:extLst>
+          </a:blip>
+          <a:stretch>
+            <a:fillRect/>
+          </a:stretch>
+        </p:blipFill>
+        <p:spPr>
+          <a:xfrm>
+            <a:off x="982845" y="4439619"/>
+            <a:ext cx="196659" cy="196659"/>
+          </a:xfrm>
+          <a:prstGeom prst="rect">
+            <a:avLst/>
+          </a:prstGeom>
+        </p:spPr>
+      </p:pic>
+      <p:pic>
+        <p:nvPicPr>
+          <p:cNvPr id="57" name="Graphic 56" descr="Add with solid fill">
+            <a:extLst>
+              <a:ext uri="{FF2B5EF4-FFF2-40B4-BE49-F238E27FC236}">
+                <a16:creationId xmlns:a16="http://schemas.microsoft.com/office/drawing/2014/main" id="{01DE5764-0EAB-202E-6B06-29B4450171F9}"/>
+              </a:ext>
+            </a:extLst>
+          </p:cNvPr>
+          <p:cNvPicPr>
+            <a:picLocks noChangeAspect="1"/>
+          </p:cNvPicPr>
+          <p:nvPr/>
+        </p:nvPicPr>
+        <p:blipFill>
+          <a:blip r:embed="rId6">
+            <a:extLst>
+              <a:ext uri="{28A0092B-C50C-407E-A947-70E740481C1C}">
+                <a14:useLocalDpi xmlns:a14="http://schemas.microsoft.com/office/drawing/2010/main" val="0"/>
+              </a:ext>
+              <a:ext uri="{96DAC541-7B7A-43D3-8B79-37D633B846F1}">
+                <asvg:svgBlip xmlns:asvg="http://schemas.microsoft.com/office/drawing/2016/SVG/main" r:embed="rId7"/>
+              </a:ext>
+            </a:extLst>
+          </a:blip>
+          <a:stretch>
+            <a:fillRect/>
+          </a:stretch>
+        </p:blipFill>
+        <p:spPr>
+          <a:xfrm>
+            <a:off x="5985640" y="1655015"/>
+            <a:ext cx="289085" cy="289085"/>
+          </a:xfrm>
+          <a:prstGeom prst="rect">
+            <a:avLst/>
+          </a:prstGeom>
+        </p:spPr>
+      </p:pic>
+      <p:pic>
+        <p:nvPicPr>
+          <p:cNvPr id="59" name="Graphic 58" descr="Add with solid fill">
+            <a:extLst>
+              <a:ext uri="{FF2B5EF4-FFF2-40B4-BE49-F238E27FC236}">
+                <a16:creationId xmlns:a16="http://schemas.microsoft.com/office/drawing/2014/main" id="{DDF4E76D-3A34-13B6-F3D8-16999D64BDC7}"/>
+              </a:ext>
+            </a:extLst>
+          </p:cNvPr>
+          <p:cNvPicPr>
+            <a:picLocks noChangeAspect="1"/>
+          </p:cNvPicPr>
+          <p:nvPr/>
+        </p:nvPicPr>
+        <p:blipFill>
+          <a:blip r:embed="rId6">
+            <a:extLst>
+              <a:ext uri="{28A0092B-C50C-407E-A947-70E740481C1C}">
+                <a14:useLocalDpi xmlns:a14="http://schemas.microsoft.com/office/drawing/2010/main" val="0"/>
+              </a:ext>
+              <a:ext uri="{96DAC541-7B7A-43D3-8B79-37D633B846F1}">
+                <asvg:svgBlip xmlns:asvg="http://schemas.microsoft.com/office/drawing/2016/SVG/main" r:embed="rId7"/>
+              </a:ext>
+            </a:extLst>
+          </a:blip>
+          <a:stretch>
+            <a:fillRect/>
+          </a:stretch>
+        </p:blipFill>
+        <p:spPr>
+          <a:xfrm>
+            <a:off x="5998870" y="1956221"/>
+            <a:ext cx="289085" cy="289085"/>
+          </a:xfrm>
+          <a:prstGeom prst="rect">
+            <a:avLst/>
+          </a:prstGeom>
+        </p:spPr>
+      </p:pic>
+      <p:pic>
+        <p:nvPicPr>
+          <p:cNvPr id="61" name="Graphic 60" descr="Harvey Balls 50% with solid fill">
+            <a:extLst>
+              <a:ext uri="{FF2B5EF4-FFF2-40B4-BE49-F238E27FC236}">
+                <a16:creationId xmlns:a16="http://schemas.microsoft.com/office/drawing/2014/main" id="{DF38416F-CB0B-EFA6-7A36-67E2F6684B02}"/>
+              </a:ext>
+            </a:extLst>
+          </p:cNvPr>
+          <p:cNvPicPr>
+            <a:picLocks noChangeAspect="1"/>
+          </p:cNvPicPr>
+          <p:nvPr/>
+        </p:nvPicPr>
+        <p:blipFill>
+          <a:blip r:embed="rId8">
+            <a:extLst>
+              <a:ext uri="{28A0092B-C50C-407E-A947-70E740481C1C}">
+                <a14:useLocalDpi xmlns:a14="http://schemas.microsoft.com/office/drawing/2010/main" val="0"/>
+              </a:ext>
+              <a:ext uri="{96DAC541-7B7A-43D3-8B79-37D633B846F1}">
+                <asvg:svgBlip xmlns:asvg="http://schemas.microsoft.com/office/drawing/2016/SVG/main" r:embed="rId9"/>
+              </a:ext>
+            </a:extLst>
+          </a:blip>
+          <a:stretch>
+            <a:fillRect/>
+          </a:stretch>
+        </p:blipFill>
+        <p:spPr>
+          <a:xfrm>
+            <a:off x="906050" y="1345681"/>
+            <a:ext cx="289191" cy="289191"/>
+          </a:xfrm>
+          <a:prstGeom prst="rect">
+            <a:avLst/>
+          </a:prstGeom>
+        </p:spPr>
+      </p:pic>
+      <p:pic>
+        <p:nvPicPr>
+          <p:cNvPr id="62" name="Graphic 61" descr="Harvey Balls 50% with solid fill">
+            <a:extLst>
+              <a:ext uri="{FF2B5EF4-FFF2-40B4-BE49-F238E27FC236}">
+                <a16:creationId xmlns:a16="http://schemas.microsoft.com/office/drawing/2014/main" id="{E63072C4-1DB5-5C15-E40A-3F01E05D3AE5}"/>
+              </a:ext>
+            </a:extLst>
+          </p:cNvPr>
+          <p:cNvPicPr>
+            <a:picLocks noChangeAspect="1"/>
+          </p:cNvPicPr>
+          <p:nvPr/>
+        </p:nvPicPr>
+        <p:blipFill>
+          <a:blip r:embed="rId8">
+            <a:extLst>
+              <a:ext uri="{28A0092B-C50C-407E-A947-70E740481C1C}">
+                <a14:useLocalDpi xmlns:a14="http://schemas.microsoft.com/office/drawing/2010/main" val="0"/>
+              </a:ext>
+              <a:ext uri="{96DAC541-7B7A-43D3-8B79-37D633B846F1}">
+                <asvg:svgBlip xmlns:asvg="http://schemas.microsoft.com/office/drawing/2016/SVG/main" r:embed="rId9"/>
+              </a:ext>
+            </a:extLst>
+          </a:blip>
+          <a:stretch>
+            <a:fillRect/>
+          </a:stretch>
+        </p:blipFill>
+        <p:spPr>
+          <a:xfrm>
+            <a:off x="3304034" y="2242978"/>
+            <a:ext cx="289191" cy="289191"/>
+          </a:xfrm>
+          <a:prstGeom prst="rect">
+            <a:avLst/>
+          </a:prstGeom>
+        </p:spPr>
+      </p:pic>
+      <p:pic>
+        <p:nvPicPr>
+          <p:cNvPr id="63" name="Graphic 62" descr="Close with solid fill">
+            <a:extLst>
+              <a:ext uri="{FF2B5EF4-FFF2-40B4-BE49-F238E27FC236}">
+                <a16:creationId xmlns:a16="http://schemas.microsoft.com/office/drawing/2014/main" id="{ECF4909C-4364-8DC5-B301-B687EE861B61}"/>
+              </a:ext>
+            </a:extLst>
+          </p:cNvPr>
+          <p:cNvPicPr>
+            <a:picLocks noChangeAspect="1"/>
+          </p:cNvPicPr>
+          <p:nvPr/>
+        </p:nvPicPr>
+        <p:blipFill>
+          <a:blip r:embed="rId2">
+            <a:extLst>
+              <a:ext uri="{28A0092B-C50C-407E-A947-70E740481C1C}">
+                <a14:useLocalDpi xmlns:a14="http://schemas.microsoft.com/office/drawing/2010/main" val="0"/>
+              </a:ext>
+              <a:ext uri="{96DAC541-7B7A-43D3-8B79-37D633B846F1}">
+                <asvg:svgBlip xmlns:asvg="http://schemas.microsoft.com/office/drawing/2016/SVG/main" r:embed="rId3"/>
+              </a:ext>
+            </a:extLst>
+          </a:blip>
+          <a:stretch>
+            <a:fillRect/>
+          </a:stretch>
+        </p:blipFill>
+        <p:spPr>
+          <a:xfrm>
+            <a:off x="72987" y="4790855"/>
+            <a:ext cx="250851" cy="250851"/>
+          </a:xfrm>
+          <a:prstGeom prst="rect">
+            <a:avLst/>
+          </a:prstGeom>
+        </p:spPr>
+      </p:pic>
+      <p:pic>
+        <p:nvPicPr>
+          <p:cNvPr id="64" name="Graphic 63" descr="Harvey Balls 50% with solid fill">
+            <a:extLst>
+              <a:ext uri="{FF2B5EF4-FFF2-40B4-BE49-F238E27FC236}">
+                <a16:creationId xmlns:a16="http://schemas.microsoft.com/office/drawing/2014/main" id="{7080F042-301E-0B9F-5FB0-0AAAA4E2D871}"/>
+              </a:ext>
+            </a:extLst>
+          </p:cNvPr>
+          <p:cNvPicPr>
+            <a:picLocks noChangeAspect="1"/>
+          </p:cNvPicPr>
+          <p:nvPr/>
+        </p:nvPicPr>
+        <p:blipFill>
+          <a:blip r:embed="rId10">
+            <a:extLst>
+              <a:ext uri="{28A0092B-C50C-407E-A947-70E740481C1C}">
+                <a14:useLocalDpi xmlns:a14="http://schemas.microsoft.com/office/drawing/2010/main" val="0"/>
+              </a:ext>
+              <a:ext uri="{96DAC541-7B7A-43D3-8B79-37D633B846F1}">
+                <asvg:svgBlip xmlns:asvg="http://schemas.microsoft.com/office/drawing/2016/SVG/main" r:embed="rId11"/>
+              </a:ext>
+            </a:extLst>
+          </a:blip>
+          <a:stretch>
+            <a:fillRect/>
+          </a:stretch>
+        </p:blipFill>
+        <p:spPr>
+          <a:xfrm>
+            <a:off x="1043134" y="4789378"/>
+            <a:ext cx="289191" cy="289191"/>
+          </a:xfrm>
+          <a:prstGeom prst="rect">
+            <a:avLst/>
+          </a:prstGeom>
+        </p:spPr>
+      </p:pic>
+      <p:pic>
+        <p:nvPicPr>
+          <p:cNvPr id="65" name="Graphic 64" descr="Question Mark with solid fill">
+            <a:extLst>
+              <a:ext uri="{FF2B5EF4-FFF2-40B4-BE49-F238E27FC236}">
+                <a16:creationId xmlns:a16="http://schemas.microsoft.com/office/drawing/2014/main" id="{B6DDBAC3-4063-CDC3-280B-F019707B7A31}"/>
+              </a:ext>
+            </a:extLst>
+          </p:cNvPr>
+          <p:cNvPicPr>
+            <a:picLocks noChangeAspect="1"/>
+          </p:cNvPicPr>
+          <p:nvPr/>
+        </p:nvPicPr>
+        <p:blipFill>
+          <a:blip r:embed="rId12">
+            <a:extLst>
+              <a:ext uri="{28A0092B-C50C-407E-A947-70E740481C1C}">
+                <a14:useLocalDpi xmlns:a14="http://schemas.microsoft.com/office/drawing/2010/main" val="0"/>
+              </a:ext>
+              <a:ext uri="{96DAC541-7B7A-43D3-8B79-37D633B846F1}">
+                <asvg:svgBlip xmlns:asvg="http://schemas.microsoft.com/office/drawing/2016/SVG/main" r:embed="rId13"/>
+              </a:ext>
+            </a:extLst>
+          </a:blip>
+          <a:stretch>
+            <a:fillRect/>
+          </a:stretch>
+        </p:blipFill>
+        <p:spPr>
+          <a:xfrm>
+            <a:off x="1976431" y="4849613"/>
+            <a:ext cx="196659" cy="196659"/>
+          </a:xfrm>
+          <a:prstGeom prst="rect">
+            <a:avLst/>
+          </a:prstGeom>
+        </p:spPr>
+      </p:pic>
+      <p:pic>
+        <p:nvPicPr>
+          <p:cNvPr id="66" name="Graphic 65" descr="Add with solid fill">
+            <a:extLst>
+              <a:ext uri="{FF2B5EF4-FFF2-40B4-BE49-F238E27FC236}">
+                <a16:creationId xmlns:a16="http://schemas.microsoft.com/office/drawing/2014/main" id="{AD87CB9B-C838-7A6B-51E0-3B2DC17C7A06}"/>
+              </a:ext>
+            </a:extLst>
+          </p:cNvPr>
+          <p:cNvPicPr>
+            <a:picLocks noChangeAspect="1"/>
+          </p:cNvPicPr>
+          <p:nvPr/>
+        </p:nvPicPr>
+        <p:blipFill>
+          <a:blip r:embed="rId14">
+            <a:extLst>
+              <a:ext uri="{28A0092B-C50C-407E-A947-70E740481C1C}">
+                <a14:useLocalDpi xmlns:a14="http://schemas.microsoft.com/office/drawing/2010/main" val="0"/>
+              </a:ext>
+              <a:ext uri="{96DAC541-7B7A-43D3-8B79-37D633B846F1}">
+                <asvg:svgBlip xmlns:asvg="http://schemas.microsoft.com/office/drawing/2016/SVG/main" r:embed="rId15"/>
+              </a:ext>
+            </a:extLst>
+          </a:blip>
+          <a:stretch>
+            <a:fillRect/>
+          </a:stretch>
+        </p:blipFill>
+        <p:spPr>
+          <a:xfrm>
+            <a:off x="3711996" y="4763016"/>
+            <a:ext cx="289085" cy="289085"/>
+          </a:xfrm>
+          <a:prstGeom prst="rect">
+            <a:avLst/>
+          </a:prstGeom>
+        </p:spPr>
+      </p:pic>
+      <p:sp>
+        <p:nvSpPr>
+          <p:cNvPr id="67" name="TextBox 66">
+            <a:extLst>
+              <a:ext uri="{FF2B5EF4-FFF2-40B4-BE49-F238E27FC236}">
+                <a16:creationId xmlns:a16="http://schemas.microsoft.com/office/drawing/2014/main" id="{D7EE67A8-72EE-4A32-6014-9E1BB27104DF}"/>
+              </a:ext>
+            </a:extLst>
+          </p:cNvPr>
+          <p:cNvSpPr txBox="1"/>
+          <p:nvPr/>
+        </p:nvSpPr>
+        <p:spPr>
+          <a:xfrm>
+            <a:off x="282954" y="4787393"/>
+            <a:ext cx="903131" cy="307777"/>
+          </a:xfrm>
+          <a:prstGeom prst="rect">
+            <a:avLst/>
+          </a:prstGeom>
+          <a:noFill/>
+        </p:spPr>
+        <p:txBody>
+          <a:bodyPr wrap="square" rtlCol="0">
+            <a:spAutoFit/>
+          </a:bodyPr>
+          <a:lstStyle/>
+          <a:p>
+            <a:r>
+              <a:rPr lang="en-US" sz="1400" dirty="0">
+                <a:solidFill>
+                  <a:srgbClr val="000000"/>
+                </a:solidFill>
+                <a:latin typeface="Calibri" panose="020F0502020204030204" pitchFamily="34" charset="0"/>
+              </a:rPr>
+              <a:t>Dropped</a:t>
+            </a:r>
+          </a:p>
+        </p:txBody>
+      </p:sp>
+      <p:sp>
+        <p:nvSpPr>
+          <p:cNvPr id="68" name="TextBox 67">
+            <a:extLst>
+              <a:ext uri="{FF2B5EF4-FFF2-40B4-BE49-F238E27FC236}">
+                <a16:creationId xmlns:a16="http://schemas.microsoft.com/office/drawing/2014/main" id="{60940C9C-5AD5-95FE-B4CC-2A2EDC16C585}"/>
+              </a:ext>
+            </a:extLst>
+          </p:cNvPr>
+          <p:cNvSpPr txBox="1"/>
+          <p:nvPr/>
+        </p:nvSpPr>
+        <p:spPr>
+          <a:xfrm>
+            <a:off x="1320599" y="4774006"/>
+            <a:ext cx="903131" cy="307777"/>
+          </a:xfrm>
+          <a:prstGeom prst="rect">
+            <a:avLst/>
+          </a:prstGeom>
+          <a:noFill/>
+        </p:spPr>
+        <p:txBody>
+          <a:bodyPr wrap="square" rtlCol="0">
+            <a:spAutoFit/>
+          </a:bodyPr>
+          <a:lstStyle/>
+          <a:p>
+            <a:r>
+              <a:rPr lang="en-US" sz="1400" dirty="0">
+                <a:solidFill>
+                  <a:srgbClr val="000000"/>
+                </a:solidFill>
+                <a:latin typeface="Calibri" panose="020F0502020204030204" pitchFamily="34" charset="0"/>
+              </a:rPr>
+              <a:t>Partial</a:t>
+            </a:r>
+          </a:p>
+        </p:txBody>
+      </p:sp>
+      <p:sp>
+        <p:nvSpPr>
+          <p:cNvPr id="69" name="TextBox 68">
+            <a:extLst>
+              <a:ext uri="{FF2B5EF4-FFF2-40B4-BE49-F238E27FC236}">
+                <a16:creationId xmlns:a16="http://schemas.microsoft.com/office/drawing/2014/main" id="{3E8B5AFB-B7B2-803C-D9D9-25362C8587C5}"/>
+              </a:ext>
+            </a:extLst>
+          </p:cNvPr>
+          <p:cNvSpPr txBox="1"/>
+          <p:nvPr/>
+        </p:nvSpPr>
+        <p:spPr>
+          <a:xfrm>
+            <a:off x="2122671" y="4784948"/>
+            <a:ext cx="1630991" cy="307777"/>
+          </a:xfrm>
+          <a:prstGeom prst="rect">
+            <a:avLst/>
+          </a:prstGeom>
+          <a:noFill/>
+        </p:spPr>
+        <p:txBody>
+          <a:bodyPr wrap="square" rtlCol="0">
+            <a:spAutoFit/>
+          </a:bodyPr>
+          <a:lstStyle/>
+          <a:p>
+            <a:r>
+              <a:rPr lang="en-US" sz="1400">
+                <a:solidFill>
+                  <a:srgbClr val="000000"/>
+                </a:solidFill>
+                <a:latin typeface="Calibri" panose="020F0502020204030204" pitchFamily="34" charset="0"/>
+              </a:rPr>
+              <a:t>Alternate needed</a:t>
+            </a:r>
+            <a:endParaRPr lang="en-US" sz="1400" dirty="0">
+              <a:solidFill>
+                <a:srgbClr val="000000"/>
+              </a:solidFill>
+              <a:latin typeface="Calibri" panose="020F0502020204030204" pitchFamily="34" charset="0"/>
+            </a:endParaRPr>
+          </a:p>
+        </p:txBody>
+      </p:sp>
+      <p:sp>
+        <p:nvSpPr>
+          <p:cNvPr id="70" name="TextBox 69">
+            <a:extLst>
+              <a:ext uri="{FF2B5EF4-FFF2-40B4-BE49-F238E27FC236}">
+                <a16:creationId xmlns:a16="http://schemas.microsoft.com/office/drawing/2014/main" id="{4524639D-9859-872C-DD0B-E8B2930FFC8C}"/>
+              </a:ext>
+            </a:extLst>
+          </p:cNvPr>
+          <p:cNvSpPr txBox="1"/>
+          <p:nvPr/>
+        </p:nvSpPr>
+        <p:spPr>
+          <a:xfrm>
+            <a:off x="3989315" y="4774005"/>
+            <a:ext cx="903131" cy="307777"/>
+          </a:xfrm>
+          <a:prstGeom prst="rect">
+            <a:avLst/>
+          </a:prstGeom>
+          <a:noFill/>
+        </p:spPr>
+        <p:txBody>
+          <a:bodyPr wrap="square" rtlCol="0">
+            <a:spAutoFit/>
+          </a:bodyPr>
+          <a:lstStyle/>
+          <a:p>
+            <a:r>
+              <a:rPr lang="en-US" sz="1400" dirty="0">
+                <a:solidFill>
+                  <a:srgbClr val="000000"/>
+                </a:solidFill>
+                <a:latin typeface="Calibri" panose="020F0502020204030204" pitchFamily="34" charset="0"/>
+              </a:rPr>
+              <a:t>Extended</a:t>
             </a:r>
           </a:p>
         </p:txBody>
@@ -11580,7 +14918,7 @@
     </p:spTree>
     <p:extLst>
       <p:ext uri="{BB962C8B-B14F-4D97-AF65-F5344CB8AC3E}">
-        <p14:creationId xmlns:p14="http://schemas.microsoft.com/office/powerpoint/2010/main" val="618472995"/>
+        <p14:creationId xmlns:p14="http://schemas.microsoft.com/office/powerpoint/2010/main" val="1638516898"/>
       </p:ext>
     </p:extLst>
   </p:cSld>
@@ -11742,6 +15080,140 @@
 </file>
 
 <file path=ppt/slides/slide20.xml><?xml version="1.0" encoding="utf-8"?>
+<p:sld xmlns:a="http://schemas.openxmlformats.org/drawingml/2006/main" xmlns:r="http://schemas.openxmlformats.org/officeDocument/2006/relationships" xmlns:p="http://schemas.openxmlformats.org/presentationml/2006/main">
+  <p:cSld>
+    <p:spTree>
+      <p:nvGrpSpPr>
+        <p:cNvPr id="1" name=""/>
+        <p:cNvGrpSpPr/>
+        <p:nvPr/>
+      </p:nvGrpSpPr>
+      <p:grpSpPr>
+        <a:xfrm>
+          <a:off x="0" y="0"/>
+          <a:ext cx="0" cy="0"/>
+          <a:chOff x="0" y="0"/>
+          <a:chExt cx="0" cy="0"/>
+        </a:xfrm>
+      </p:grpSpPr>
+      <p:sp>
+        <p:nvSpPr>
+          <p:cNvPr id="2" name="Title 1">
+            <a:extLst>
+              <a:ext uri="{FF2B5EF4-FFF2-40B4-BE49-F238E27FC236}">
+                <a16:creationId xmlns:a16="http://schemas.microsoft.com/office/drawing/2014/main" id="{5DA991A6-BF4C-4B46-B46D-615EB2E6CBDF}"/>
+              </a:ext>
+            </a:extLst>
+          </p:cNvPr>
+          <p:cNvSpPr>
+            <a:spLocks noGrp="1"/>
+          </p:cNvSpPr>
+          <p:nvPr>
+            <p:ph type="title"/>
+          </p:nvPr>
+        </p:nvSpPr>
+        <p:spPr>
+          <a:xfrm>
+            <a:off x="457200" y="205979"/>
+            <a:ext cx="8229600" cy="561883"/>
+          </a:xfrm>
+        </p:spPr>
+        <p:txBody>
+          <a:bodyPr/>
+          <a:lstStyle/>
+          <a:p>
+            <a:r>
+              <a:rPr lang="en-US" dirty="0"/>
+              <a:t>Tools Updates</a:t>
+            </a:r>
+          </a:p>
+        </p:txBody>
+      </p:sp>
+      <p:sp>
+        <p:nvSpPr>
+          <p:cNvPr id="3" name="Text Placeholder 2">
+            <a:extLst>
+              <a:ext uri="{FF2B5EF4-FFF2-40B4-BE49-F238E27FC236}">
+                <a16:creationId xmlns:a16="http://schemas.microsoft.com/office/drawing/2014/main" id="{46B33945-720A-6B4A-ABA4-C9EC5D591C2F}"/>
+              </a:ext>
+            </a:extLst>
+          </p:cNvPr>
+          <p:cNvSpPr>
+            <a:spLocks noGrp="1"/>
+          </p:cNvSpPr>
+          <p:nvPr>
+            <p:ph type="body" sz="quarter" idx="10"/>
+          </p:nvPr>
+        </p:nvSpPr>
+        <p:spPr/>
+        <p:txBody>
+          <a:bodyPr/>
+          <a:lstStyle/>
+          <a:p>
+            <a:r>
+              <a:rPr lang="en-US" dirty="0"/>
+              <a:t>All tools being updated to support new versions of IGs</a:t>
+            </a:r>
+          </a:p>
+          <a:p>
+            <a:r>
+              <a:rPr lang="en-US" dirty="0"/>
+              <a:t>Tools:</a:t>
+            </a:r>
+          </a:p>
+          <a:p>
+            <a:pPr lvl="1"/>
+            <a:r>
+              <a:rPr lang="en-US" dirty="0"/>
+              <a:t>VRDR and </a:t>
+            </a:r>
+            <a:r>
+              <a:rPr lang="en-US" dirty="0" err="1"/>
+              <a:t>VRDR.Messaging</a:t>
+            </a:r>
+            <a:r>
+              <a:rPr lang="en-US" dirty="0"/>
+              <a:t> dot net libraries</a:t>
+            </a:r>
+          </a:p>
+          <a:p>
+            <a:pPr lvl="1"/>
+            <a:r>
+              <a:rPr lang="en-US" dirty="0"/>
+              <a:t>Java Library</a:t>
+            </a:r>
+          </a:p>
+          <a:p>
+            <a:pPr lvl="1"/>
+            <a:r>
+              <a:rPr lang="en-US" dirty="0"/>
+              <a:t>Canary including updated test cases</a:t>
+            </a:r>
+          </a:p>
+        </p:txBody>
+      </p:sp>
+    </p:spTree>
+    <p:extLst>
+      <p:ext uri="{BB962C8B-B14F-4D97-AF65-F5344CB8AC3E}">
+        <p14:creationId xmlns:p14="http://schemas.microsoft.com/office/powerpoint/2010/main" val="618472995"/>
+      </p:ext>
+    </p:extLst>
+  </p:cSld>
+  <p:clrMapOvr>
+    <a:masterClrMapping/>
+  </p:clrMapOvr>
+  <mc:AlternateContent xmlns:mc="http://schemas.openxmlformats.org/markup-compatibility/2006" xmlns:p14="http://schemas.microsoft.com/office/powerpoint/2010/main">
+    <mc:Choice Requires="p14">
+      <p:transition p14:dur="10" advClick="0"/>
+    </mc:Choice>
+    <mc:Fallback xmlns="">
+      <p:transition advClick="0"/>
+    </mc:Fallback>
+  </mc:AlternateContent>
+</p:sld>
+</file>
+
+<file path=ppt/slides/slide21.xml><?xml version="1.0" encoding="utf-8"?>
 <p:sld xmlns:a="http://schemas.openxmlformats.org/drawingml/2006/main" xmlns:r="http://schemas.openxmlformats.org/officeDocument/2006/relationships" xmlns:p="http://schemas.openxmlformats.org/presentationml/2006/main">
   <p:cSld>
     <p:spTree>
@@ -14531,6 +18003,15 @@
 </file>
 
 <file path=customXml/item1.xml><?xml version="1.0" encoding="utf-8"?>
+<?mso-contentType ?>
+<FormTemplates xmlns="http://schemas.microsoft.com/sharepoint/v3/contenttype/forms">
+  <Display>DocumentLibraryForm</Display>
+  <Edit>DocumentLibraryForm</Edit>
+  <New>DocumentLibraryForm</New>
+</FormTemplates>
+</file>
+
+<file path=customXml/item2.xml><?xml version="1.0" encoding="utf-8"?>
 <ct:contentTypeSchema xmlns:ct="http://schemas.microsoft.com/office/2006/metadata/contentType" xmlns:ma="http://schemas.microsoft.com/office/2006/metadata/properties/metaAttributes" ct:_="" ma:_="" ma:contentTypeName="Document" ma:contentTypeID="0x010100E5F1F5ACA7D9824AAB0E713D02484050" ma:contentTypeVersion="9" ma:contentTypeDescription="Create a new document." ma:contentTypeScope="" ma:versionID="3fa565de55aca24c241ec738d5c7103f">
   <xsd:schema xmlns:xsd="http://www.w3.org/2001/XMLSchema" xmlns:xs="http://www.w3.org/2001/XMLSchema" xmlns:p="http://schemas.microsoft.com/office/2006/metadata/properties" xmlns:ns3="b306ee79-2f51-4bda-a734-8653703d17c0" xmlns:ns4="3d326652-0b14-4e9a-87c1-dce06bb2442c" targetNamespace="http://schemas.microsoft.com/office/2006/metadata/properties" ma:root="true" ma:fieldsID="634740703396ac9b61506cf14c8cace4" ns3:_="" ns4:_="">
     <xsd:import namespace="b306ee79-2f51-4bda-a734-8653703d17c0"/>
@@ -14727,15 +18208,6 @@
 </ct:contentTypeSchema>
 </file>
 
-<file path=customXml/item2.xml><?xml version="1.0" encoding="utf-8"?>
-<?mso-contentType ?>
-<FormTemplates xmlns="http://schemas.microsoft.com/sharepoint/v3/contenttype/forms">
-  <Display>DocumentLibraryForm</Display>
-  <Edit>DocumentLibraryForm</Edit>
-  <New>DocumentLibraryForm</New>
-</FormTemplates>
-</file>
-
 <file path=customXml/item3.xml><?xml version="1.0" encoding="utf-8"?>
 <p:properties xmlns:p="http://schemas.microsoft.com/office/2006/metadata/properties" xmlns:xsi="http://www.w3.org/2001/XMLSchema-instance" xmlns:pc="http://schemas.microsoft.com/office/infopath/2007/PartnerControls">
   <documentManagement/>
@@ -14743,6 +18215,14 @@
 </file>
 
 <file path=customXml/itemProps1.xml><?xml version="1.0" encoding="utf-8"?>
+<ds:datastoreItem xmlns:ds="http://schemas.openxmlformats.org/officeDocument/2006/customXml" ds:itemID="{7C1FF9E9-09C7-4908-A8D0-CE0E243211B4}">
+  <ds:schemaRefs>
+    <ds:schemaRef ds:uri="http://schemas.microsoft.com/sharepoint/v3/contenttype/forms"/>
+  </ds:schemaRefs>
+</ds:datastoreItem>
+</file>
+
+<file path=customXml/itemProps2.xml><?xml version="1.0" encoding="utf-8"?>
 <ds:datastoreItem xmlns:ds="http://schemas.openxmlformats.org/officeDocument/2006/customXml" ds:itemID="{16DEE333-5A94-49FC-A782-AAD66C5196A7}">
   <ds:schemaRefs>
     <ds:schemaRef ds:uri="http://schemas.microsoft.com/office/2006/metadata/contentType"/>
@@ -14757,14 +18237,6 @@
     <ds:schemaRef ds:uri="http://purl.org/dc/elements/1.1/"/>
     <ds:schemaRef ds:uri="http://purl.org/dc/terms/"/>
     <ds:schemaRef ds:uri="http://schemas.microsoft.com/internal/obd"/>
-  </ds:schemaRefs>
-</ds:datastoreItem>
-</file>
-
-<file path=customXml/itemProps2.xml><?xml version="1.0" encoding="utf-8"?>
-<ds:datastoreItem xmlns:ds="http://schemas.openxmlformats.org/officeDocument/2006/customXml" ds:itemID="{7C1FF9E9-09C7-4908-A8D0-CE0E243211B4}">
-  <ds:schemaRefs>
-    <ds:schemaRef ds:uri="http://schemas.microsoft.com/sharepoint/v3/contenttype/forms"/>
   </ds:schemaRefs>
 </ds:datastoreItem>
 </file>
